--- a/otel teoria/Day 1 session 1.2 Wprowadzenie do OpenTelemetry.pptx
+++ b/otel teoria/Day 1 session 1.2 Wprowadzenie do OpenTelemetry.pptx
@@ -236,7 +236,7 @@
           <a:p>
             <a:fld id="{B6182559-CB5C-D240-A660-003CD22EEEA2}" type="datetimeFigureOut">
               <a:rPr lang="pl-PL" smtClean="0"/>
-              <a:t>29.09.2024</a:t>
+              <a:t>1.10.2024</a:t>
             </a:fld>
             <a:endParaRPr lang="pl-PL"/>
           </a:p>
@@ -851,7 +851,7 @@
           <a:p>
             <a:fld id="{5BCAD085-E8A6-8845-BD4E-CB4CCA059FC4}" type="datetimeFigureOut">
               <a:rPr lang="en-US" smtClean="0"/>
-              <a:t>9/29/24</a:t>
+              <a:t>10/1/24</a:t>
             </a:fld>
             <a:endParaRPr lang="en-US"/>
           </a:p>
@@ -1019,7 +1019,7 @@
           <a:p>
             <a:fld id="{5BCAD085-E8A6-8845-BD4E-CB4CCA059FC4}" type="datetimeFigureOut">
               <a:rPr lang="en-US" smtClean="0"/>
-              <a:t>9/29/24</a:t>
+              <a:t>10/1/24</a:t>
             </a:fld>
             <a:endParaRPr lang="en-US"/>
           </a:p>
@@ -1197,7 +1197,7 @@
           <a:p>
             <a:fld id="{5BCAD085-E8A6-8845-BD4E-CB4CCA059FC4}" type="datetimeFigureOut">
               <a:rPr lang="en-US" smtClean="0"/>
-              <a:t>9/29/24</a:t>
+              <a:t>10/1/24</a:t>
             </a:fld>
             <a:endParaRPr lang="en-US"/>
           </a:p>
@@ -1365,7 +1365,7 @@
           <a:p>
             <a:fld id="{5BCAD085-E8A6-8845-BD4E-CB4CCA059FC4}" type="datetimeFigureOut">
               <a:rPr lang="en-US" smtClean="0"/>
-              <a:t>9/29/24</a:t>
+              <a:t>10/1/24</a:t>
             </a:fld>
             <a:endParaRPr lang="en-US"/>
           </a:p>
@@ -1610,7 +1610,7 @@
           <a:p>
             <a:fld id="{5BCAD085-E8A6-8845-BD4E-CB4CCA059FC4}" type="datetimeFigureOut">
               <a:rPr lang="en-US" smtClean="0"/>
-              <a:t>9/29/24</a:t>
+              <a:t>10/1/24</a:t>
             </a:fld>
             <a:endParaRPr lang="en-US"/>
           </a:p>
@@ -1895,7 +1895,7 @@
           <a:p>
             <a:fld id="{5BCAD085-E8A6-8845-BD4E-CB4CCA059FC4}" type="datetimeFigureOut">
               <a:rPr lang="en-US" smtClean="0"/>
-              <a:t>9/29/24</a:t>
+              <a:t>10/1/24</a:t>
             </a:fld>
             <a:endParaRPr lang="en-US"/>
           </a:p>
@@ -2314,7 +2314,7 @@
           <a:p>
             <a:fld id="{5BCAD085-E8A6-8845-BD4E-CB4CCA059FC4}" type="datetimeFigureOut">
               <a:rPr lang="en-US" smtClean="0"/>
-              <a:t>9/29/24</a:t>
+              <a:t>10/1/24</a:t>
             </a:fld>
             <a:endParaRPr lang="en-US"/>
           </a:p>
@@ -2431,7 +2431,7 @@
           <a:p>
             <a:fld id="{5BCAD085-E8A6-8845-BD4E-CB4CCA059FC4}" type="datetimeFigureOut">
               <a:rPr lang="en-US" smtClean="0"/>
-              <a:t>9/29/24</a:t>
+              <a:t>10/1/24</a:t>
             </a:fld>
             <a:endParaRPr lang="en-US"/>
           </a:p>
@@ -2526,7 +2526,7 @@
           <a:p>
             <a:fld id="{5BCAD085-E8A6-8845-BD4E-CB4CCA059FC4}" type="datetimeFigureOut">
               <a:rPr lang="en-US" smtClean="0"/>
-              <a:t>9/29/24</a:t>
+              <a:t>10/1/24</a:t>
             </a:fld>
             <a:endParaRPr lang="en-US"/>
           </a:p>
@@ -2801,7 +2801,7 @@
           <a:p>
             <a:fld id="{5BCAD085-E8A6-8845-BD4E-CB4CCA059FC4}" type="datetimeFigureOut">
               <a:rPr lang="en-US" smtClean="0"/>
-              <a:t>9/29/24</a:t>
+              <a:t>10/1/24</a:t>
             </a:fld>
             <a:endParaRPr lang="en-US"/>
           </a:p>
@@ -3053,7 +3053,7 @@
           <a:p>
             <a:fld id="{5BCAD085-E8A6-8845-BD4E-CB4CCA059FC4}" type="datetimeFigureOut">
               <a:rPr lang="en-US" smtClean="0"/>
-              <a:t>9/29/24</a:t>
+              <a:t>10/1/24</a:t>
             </a:fld>
             <a:endParaRPr lang="en-US"/>
           </a:p>
@@ -3264,7 +3264,7 @@
           <a:p>
             <a:fld id="{5BCAD085-E8A6-8845-BD4E-CB4CCA059FC4}" type="datetimeFigureOut">
               <a:rPr lang="en-US" smtClean="0"/>
-              <a:t>9/29/24</a:t>
+              <a:t>10/1/24</a:t>
             </a:fld>
             <a:endParaRPr lang="en-US"/>
           </a:p>
@@ -3686,50 +3686,16 @@
           <a:lstStyle/>
           <a:p>
             <a:r>
-              <a:rPr dirty="0"/>
-              <a:t>Plan </a:t>
-            </a:r>
-            <a:r>
-              <a:rPr dirty="0" err="1"/>
-              <a:t>szkolenia</a:t>
-            </a:r>
-            <a:r>
-              <a:rPr dirty="0"/>
-              <a:t> z </a:t>
-            </a:r>
-            <a:r>
-              <a:rPr dirty="0" err="1"/>
-              <a:t>dodatkowymi</a:t>
-            </a:r>
-            <a:r>
-              <a:rPr dirty="0"/>
-              <a:t> </a:t>
-            </a:r>
-            <a:r>
-              <a:rPr dirty="0" err="1"/>
-              <a:t>materiałami</a:t>
-            </a:r>
-            <a:r>
-              <a:rPr dirty="0"/>
-              <a:t> </a:t>
-            </a:r>
-            <a:r>
-              <a:rPr dirty="0" err="1"/>
-              <a:t>i</a:t>
-            </a:r>
-            <a:r>
-              <a:rPr dirty="0"/>
-              <a:t> </a:t>
-            </a:r>
-            <a:r>
-              <a:rPr dirty="0" err="1"/>
-              <a:t>przykładami</a:t>
-            </a:r>
-            <a:r>
-              <a:rPr lang="en-US" dirty="0" err="1"/>
-              <a:t>downl</a:t>
-            </a:r>
-            <a:endParaRPr dirty="0"/>
+              <a:rPr lang="pl-PL" noProof="0"/>
+              <a:t>Wprowadzenie do </a:t>
+            </a:r>
+            <a:br>
+              <a:rPr lang="pl-PL" noProof="0"/>
+            </a:br>
+            <a:r>
+              <a:rPr lang="pl-PL" noProof="0"/>
+              <a:t>OpenTelemetry </a:t>
+            </a:r>
           </a:p>
         </p:txBody>
       </p:sp>
@@ -3791,96 +3757,48 @@
           <a:p>
             <a:pPr algn="l"/>
             <a:r>
-              <a:rPr lang="pl-PL" sz="2000" dirty="0">
-                <a:highlight>
-                  <a:srgbClr val="00FF00"/>
-                </a:highlight>
-              </a:rPr>
+              <a:rPr lang="pl-PL" sz="2000" dirty="0"/>
               <a:t>Dzień 2: Wizualizacja, Tematy Zaawansowane i Praktyczne Ćwiczenia</a:t>
             </a:r>
             <a:br>
-              <a:rPr lang="pl-PL" sz="2000" dirty="0">
-                <a:highlight>
-                  <a:srgbClr val="00FF00"/>
-                </a:highlight>
-              </a:rPr>
+              <a:rPr lang="pl-PL" sz="2000" dirty="0"/>
             </a:br>
             <a:br>
-              <a:rPr lang="pl-PL" sz="2000" dirty="0">
-                <a:highlight>
-                  <a:srgbClr val="00FF00"/>
-                </a:highlight>
-              </a:rPr>
+              <a:rPr lang="pl-PL" sz="2000" dirty="0"/>
             </a:br>
             <a:r>
-              <a:rPr lang="pl-PL" sz="1800" dirty="0">
-                <a:highlight>
-                  <a:srgbClr val="00FF00"/>
-                </a:highlight>
-              </a:rPr>
+              <a:rPr lang="pl-PL" sz="1800" dirty="0"/>
               <a:t>Sesja 2: </a:t>
             </a:r>
             <a:r>
-              <a:rPr lang="en-GB" sz="1800" dirty="0" err="1">
-                <a:highlight>
-                  <a:srgbClr val="00FF00"/>
-                </a:highlight>
-              </a:rPr>
+              <a:rPr lang="en-GB" sz="1800" dirty="0" err="1"/>
               <a:t>Wprowadzenie</a:t>
             </a:r>
             <a:r>
-              <a:rPr lang="en-GB" sz="1800" dirty="0">
-                <a:highlight>
-                  <a:srgbClr val="00FF00"/>
-                </a:highlight>
-              </a:rPr>
+              <a:rPr lang="en-GB" sz="1800" dirty="0"/>
               <a:t>, </a:t>
             </a:r>
             <a:r>
-              <a:rPr lang="en-GB" sz="1800" dirty="0" err="1">
-                <a:highlight>
-                  <a:srgbClr val="00FF00"/>
-                </a:highlight>
-              </a:rPr>
+              <a:rPr lang="en-GB" sz="1800" dirty="0" err="1"/>
               <a:t>Konfiguracja</a:t>
             </a:r>
             <a:r>
-              <a:rPr lang="en-GB" sz="1800" dirty="0">
-                <a:highlight>
-                  <a:srgbClr val="00FF00"/>
-                </a:highlight>
-              </a:rPr>
+              <a:rPr lang="en-GB" sz="1800" dirty="0"/>
               <a:t> </a:t>
             </a:r>
             <a:r>
-              <a:rPr lang="en-GB" sz="1800" dirty="0" err="1">
-                <a:highlight>
-                  <a:srgbClr val="00FF00"/>
-                </a:highlight>
-              </a:rPr>
+              <a:rPr lang="en-GB" sz="1800" dirty="0" err="1"/>
               <a:t>i</a:t>
             </a:r>
             <a:r>
-              <a:rPr lang="en-GB" sz="1800" dirty="0">
-                <a:highlight>
-                  <a:srgbClr val="00FF00"/>
-                </a:highlight>
-              </a:rPr>
+              <a:rPr lang="en-GB" sz="1800" dirty="0"/>
               <a:t> </a:t>
             </a:r>
             <a:r>
-              <a:rPr lang="en-GB" sz="1800" dirty="0" err="1">
-                <a:highlight>
-                  <a:srgbClr val="00FF00"/>
-                </a:highlight>
-              </a:rPr>
+              <a:rPr lang="en-GB" sz="1800" dirty="0" err="1"/>
               <a:t>Instrumentacja</a:t>
             </a:r>
-            <a:endParaRPr lang="pl-PL" sz="2000" dirty="0">
-              <a:highlight>
-                <a:srgbClr val="00FF00"/>
-              </a:highlight>
-            </a:endParaRPr>
+            <a:endParaRPr lang="pl-PL" sz="2000" dirty="0"/>
           </a:p>
         </p:txBody>
       </p:sp>
@@ -4007,104 +3925,52 @@
           <a:p>
             <a:pPr algn="l"/>
             <a:r>
-              <a:rPr lang="pl-PL" sz="2000" dirty="0">
-                <a:highlight>
-                  <a:srgbClr val="00FF00"/>
-                </a:highlight>
-              </a:rPr>
+              <a:rPr lang="pl-PL" sz="2000" dirty="0"/>
               <a:t>Dzień 2: Wizualizacja, Tematy Zaawansowane i Praktyczne Ćwiczenia</a:t>
             </a:r>
             <a:br>
-              <a:rPr lang="pl-PL" sz="2000" dirty="0">
-                <a:highlight>
-                  <a:srgbClr val="00FF00"/>
-                </a:highlight>
-              </a:rPr>
+              <a:rPr lang="pl-PL" sz="2000" dirty="0"/>
             </a:br>
             <a:br>
-              <a:rPr lang="pl-PL" sz="2000" dirty="0">
-                <a:highlight>
-                  <a:srgbClr val="00FF00"/>
-                </a:highlight>
-              </a:rPr>
+              <a:rPr lang="pl-PL" sz="2000" dirty="0"/>
             </a:br>
             <a:r>
-              <a:rPr lang="pl-PL" sz="1800" dirty="0">
-                <a:highlight>
-                  <a:srgbClr val="00FF00"/>
-                </a:highlight>
-              </a:rPr>
+              <a:rPr lang="pl-PL" sz="1800" dirty="0"/>
               <a:t>Sesja 2: </a:t>
             </a:r>
             <a:r>
-              <a:rPr lang="en-GB" sz="1800" dirty="0" err="1">
-                <a:highlight>
-                  <a:srgbClr val="00FF00"/>
-                </a:highlight>
-              </a:rPr>
+              <a:rPr lang="en-GB" sz="1800" dirty="0" err="1"/>
               <a:t>Wprowadzenie</a:t>
             </a:r>
             <a:r>
-              <a:rPr lang="en-GB" sz="1800" dirty="0">
-                <a:highlight>
-                  <a:srgbClr val="00FF00"/>
-                </a:highlight>
-              </a:rPr>
+              <a:rPr lang="en-GB" sz="1800" dirty="0"/>
               <a:t>, </a:t>
             </a:r>
             <a:r>
-              <a:rPr lang="en-GB" sz="1800" dirty="0" err="1">
-                <a:highlight>
-                  <a:srgbClr val="00FF00"/>
-                </a:highlight>
-              </a:rPr>
+              <a:rPr lang="en-GB" sz="1800" dirty="0" err="1"/>
               <a:t>Konfiguracja</a:t>
             </a:r>
             <a:r>
-              <a:rPr lang="en-GB" sz="1800" dirty="0">
-                <a:highlight>
-                  <a:srgbClr val="00FF00"/>
-                </a:highlight>
-              </a:rPr>
+              <a:rPr lang="en-GB" sz="1800" dirty="0"/>
               <a:t> </a:t>
             </a:r>
             <a:r>
-              <a:rPr lang="en-GB" sz="1800" dirty="0" err="1">
-                <a:highlight>
-                  <a:srgbClr val="00FF00"/>
-                </a:highlight>
-              </a:rPr>
+              <a:rPr lang="en-GB" sz="1800" dirty="0" err="1"/>
               <a:t>i</a:t>
             </a:r>
             <a:r>
-              <a:rPr lang="en-GB" sz="1800" dirty="0">
-                <a:highlight>
-                  <a:srgbClr val="00FF00"/>
-                </a:highlight>
-              </a:rPr>
+              <a:rPr lang="en-GB" sz="1800" dirty="0"/>
               <a:t> </a:t>
             </a:r>
             <a:r>
-              <a:rPr lang="en-GB" sz="1800" dirty="0" err="1">
-                <a:highlight>
-                  <a:srgbClr val="00FF00"/>
-                </a:highlight>
-              </a:rPr>
+              <a:rPr lang="en-GB" sz="1800" dirty="0" err="1"/>
               <a:t>Instrumentacja</a:t>
             </a:r>
             <a:r>
-              <a:rPr lang="en-GB" sz="1800" dirty="0">
-                <a:highlight>
-                  <a:srgbClr val="00FF00"/>
-                </a:highlight>
-              </a:rPr>
+              <a:rPr lang="en-GB" sz="1800" dirty="0"/>
               <a:t>: </a:t>
             </a:r>
-            <a:endParaRPr lang="pl-PL" sz="2000" dirty="0">
-              <a:highlight>
-                <a:srgbClr val="00FF00"/>
-              </a:highlight>
-            </a:endParaRPr>
+            <a:endParaRPr lang="pl-PL" sz="2000" dirty="0"/>
           </a:p>
         </p:txBody>
       </p:sp>
@@ -4375,104 +4241,52 @@
           <a:p>
             <a:pPr algn="l"/>
             <a:r>
-              <a:rPr lang="pl-PL" sz="2000" dirty="0">
-                <a:highlight>
-                  <a:srgbClr val="00FF00"/>
-                </a:highlight>
-              </a:rPr>
+              <a:rPr lang="pl-PL" sz="2000" dirty="0"/>
               <a:t>Dzień 2: Wizualizacja, Tematy Zaawansowane i Praktyczne Ćwiczenia</a:t>
             </a:r>
             <a:br>
-              <a:rPr lang="pl-PL" sz="2000" dirty="0">
-                <a:highlight>
-                  <a:srgbClr val="00FF00"/>
-                </a:highlight>
-              </a:rPr>
+              <a:rPr lang="pl-PL" sz="2000" dirty="0"/>
             </a:br>
             <a:br>
-              <a:rPr lang="pl-PL" sz="2000" dirty="0">
-                <a:highlight>
-                  <a:srgbClr val="00FF00"/>
-                </a:highlight>
-              </a:rPr>
+              <a:rPr lang="pl-PL" sz="2000" dirty="0"/>
             </a:br>
             <a:r>
-              <a:rPr lang="pl-PL" sz="1800" dirty="0">
-                <a:highlight>
-                  <a:srgbClr val="00FF00"/>
-                </a:highlight>
-              </a:rPr>
+              <a:rPr lang="pl-PL" sz="1800" dirty="0"/>
               <a:t>Sesja 2: </a:t>
             </a:r>
             <a:r>
-              <a:rPr lang="en-GB" sz="1800" dirty="0" err="1">
-                <a:highlight>
-                  <a:srgbClr val="00FF00"/>
-                </a:highlight>
-              </a:rPr>
+              <a:rPr lang="en-GB" sz="1800" dirty="0" err="1"/>
               <a:t>Wprowadzenie</a:t>
             </a:r>
             <a:r>
-              <a:rPr lang="en-GB" sz="1800" dirty="0">
-                <a:highlight>
-                  <a:srgbClr val="00FF00"/>
-                </a:highlight>
-              </a:rPr>
+              <a:rPr lang="en-GB" sz="1800" dirty="0"/>
               <a:t>, </a:t>
             </a:r>
             <a:r>
-              <a:rPr lang="en-GB" sz="1800" dirty="0" err="1">
-                <a:highlight>
-                  <a:srgbClr val="00FF00"/>
-                </a:highlight>
-              </a:rPr>
+              <a:rPr lang="en-GB" sz="1800" dirty="0" err="1"/>
               <a:t>Konfiguracja</a:t>
             </a:r>
             <a:r>
-              <a:rPr lang="en-GB" sz="1800" dirty="0">
-                <a:highlight>
-                  <a:srgbClr val="00FF00"/>
-                </a:highlight>
-              </a:rPr>
+              <a:rPr lang="en-GB" sz="1800" dirty="0"/>
               <a:t> </a:t>
             </a:r>
             <a:r>
-              <a:rPr lang="en-GB" sz="1800" dirty="0" err="1">
-                <a:highlight>
-                  <a:srgbClr val="00FF00"/>
-                </a:highlight>
-              </a:rPr>
+              <a:rPr lang="en-GB" sz="1800" dirty="0" err="1"/>
               <a:t>i</a:t>
             </a:r>
             <a:r>
-              <a:rPr lang="en-GB" sz="1800" dirty="0">
-                <a:highlight>
-                  <a:srgbClr val="00FF00"/>
-                </a:highlight>
-              </a:rPr>
+              <a:rPr lang="en-GB" sz="1800" dirty="0"/>
               <a:t> </a:t>
             </a:r>
             <a:r>
-              <a:rPr lang="en-GB" sz="1800" dirty="0" err="1">
-                <a:highlight>
-                  <a:srgbClr val="00FF00"/>
-                </a:highlight>
-              </a:rPr>
+              <a:rPr lang="en-GB" sz="1800" dirty="0" err="1"/>
               <a:t>Instrumentacja</a:t>
             </a:r>
             <a:r>
-              <a:rPr lang="en-GB" sz="1800" dirty="0">
-                <a:highlight>
-                  <a:srgbClr val="00FF00"/>
-                </a:highlight>
-              </a:rPr>
+              <a:rPr lang="en-GB" sz="1800" dirty="0"/>
               <a:t>: </a:t>
             </a:r>
-            <a:endParaRPr lang="pl-PL" sz="2000" dirty="0">
-              <a:highlight>
-                <a:srgbClr val="00FF00"/>
-              </a:highlight>
-            </a:endParaRPr>
+            <a:endParaRPr lang="pl-PL" sz="2000" dirty="0"/>
           </a:p>
         </p:txBody>
       </p:sp>
@@ -4693,104 +4507,52 @@
           <a:p>
             <a:pPr algn="l"/>
             <a:r>
-              <a:rPr lang="pl-PL" sz="2000" dirty="0">
-                <a:highlight>
-                  <a:srgbClr val="00FF00"/>
-                </a:highlight>
-              </a:rPr>
+              <a:rPr lang="pl-PL" sz="2000" dirty="0"/>
               <a:t>Dzień 2: Wizualizacja, Tematy Zaawansowane i Praktyczne Ćwiczenia</a:t>
             </a:r>
             <a:br>
-              <a:rPr lang="pl-PL" sz="2000" dirty="0">
-                <a:highlight>
-                  <a:srgbClr val="00FF00"/>
-                </a:highlight>
-              </a:rPr>
+              <a:rPr lang="pl-PL" sz="2000" dirty="0"/>
             </a:br>
             <a:br>
-              <a:rPr lang="pl-PL" sz="2000" dirty="0">
-                <a:highlight>
-                  <a:srgbClr val="00FF00"/>
-                </a:highlight>
-              </a:rPr>
+              <a:rPr lang="pl-PL" sz="2000" dirty="0"/>
             </a:br>
             <a:r>
-              <a:rPr lang="pl-PL" sz="1800" dirty="0">
-                <a:highlight>
-                  <a:srgbClr val="00FF00"/>
-                </a:highlight>
-              </a:rPr>
+              <a:rPr lang="pl-PL" sz="1800" dirty="0"/>
               <a:t>Sesja 2: </a:t>
             </a:r>
             <a:r>
-              <a:rPr lang="en-GB" sz="1800" dirty="0" err="1">
-                <a:highlight>
-                  <a:srgbClr val="00FF00"/>
-                </a:highlight>
-              </a:rPr>
+              <a:rPr lang="en-GB" sz="1800" dirty="0" err="1"/>
               <a:t>Wprowadzenie</a:t>
             </a:r>
             <a:r>
-              <a:rPr lang="en-GB" sz="1800" dirty="0">
-                <a:highlight>
-                  <a:srgbClr val="00FF00"/>
-                </a:highlight>
-              </a:rPr>
+              <a:rPr lang="en-GB" sz="1800" dirty="0"/>
               <a:t>, </a:t>
             </a:r>
             <a:r>
-              <a:rPr lang="en-GB" sz="1800" dirty="0" err="1">
-                <a:highlight>
-                  <a:srgbClr val="00FF00"/>
-                </a:highlight>
-              </a:rPr>
+              <a:rPr lang="en-GB" sz="1800" dirty="0" err="1"/>
               <a:t>Konfiguracja</a:t>
             </a:r>
             <a:r>
-              <a:rPr lang="en-GB" sz="1800" dirty="0">
-                <a:highlight>
-                  <a:srgbClr val="00FF00"/>
-                </a:highlight>
-              </a:rPr>
+              <a:rPr lang="en-GB" sz="1800" dirty="0"/>
               <a:t> </a:t>
             </a:r>
             <a:r>
-              <a:rPr lang="en-GB" sz="1800" dirty="0" err="1">
-                <a:highlight>
-                  <a:srgbClr val="00FF00"/>
-                </a:highlight>
-              </a:rPr>
+              <a:rPr lang="en-GB" sz="1800" dirty="0" err="1"/>
               <a:t>i</a:t>
             </a:r>
             <a:r>
-              <a:rPr lang="en-GB" sz="1800" dirty="0">
-                <a:highlight>
-                  <a:srgbClr val="00FF00"/>
-                </a:highlight>
-              </a:rPr>
+              <a:rPr lang="en-GB" sz="1800" dirty="0"/>
               <a:t> </a:t>
             </a:r>
             <a:r>
-              <a:rPr lang="en-GB" sz="1800" dirty="0" err="1">
-                <a:highlight>
-                  <a:srgbClr val="00FF00"/>
-                </a:highlight>
-              </a:rPr>
+              <a:rPr lang="en-GB" sz="1800" dirty="0" err="1"/>
               <a:t>Instrumentacja</a:t>
             </a:r>
             <a:r>
-              <a:rPr lang="en-GB" sz="1800" dirty="0">
-                <a:highlight>
-                  <a:srgbClr val="00FF00"/>
-                </a:highlight>
-              </a:rPr>
+              <a:rPr lang="en-GB" sz="1800" dirty="0"/>
               <a:t>: </a:t>
             </a:r>
-            <a:endParaRPr lang="pl-PL" sz="2000" dirty="0">
-              <a:highlight>
-                <a:srgbClr val="00FF00"/>
-              </a:highlight>
-            </a:endParaRPr>
+            <a:endParaRPr lang="pl-PL" sz="2000" dirty="0"/>
           </a:p>
         </p:txBody>
       </p:sp>
@@ -4991,104 +4753,52 @@
           <a:p>
             <a:pPr algn="l"/>
             <a:r>
-              <a:rPr lang="pl-PL" sz="2000" dirty="0">
-                <a:highlight>
-                  <a:srgbClr val="00FF00"/>
-                </a:highlight>
-              </a:rPr>
+              <a:rPr lang="pl-PL" sz="2000" dirty="0"/>
               <a:t>Dzień 2: Wizualizacja, Tematy Zaawansowane i Praktyczne Ćwiczenia</a:t>
             </a:r>
             <a:br>
-              <a:rPr lang="pl-PL" sz="2000" dirty="0">
-                <a:highlight>
-                  <a:srgbClr val="00FF00"/>
-                </a:highlight>
-              </a:rPr>
+              <a:rPr lang="pl-PL" sz="2000" dirty="0"/>
             </a:br>
             <a:br>
-              <a:rPr lang="pl-PL" sz="2000" dirty="0">
-                <a:highlight>
-                  <a:srgbClr val="00FF00"/>
-                </a:highlight>
-              </a:rPr>
+              <a:rPr lang="pl-PL" sz="2000" dirty="0"/>
             </a:br>
             <a:r>
-              <a:rPr lang="pl-PL" sz="1800" dirty="0">
-                <a:highlight>
-                  <a:srgbClr val="00FF00"/>
-                </a:highlight>
-              </a:rPr>
+              <a:rPr lang="pl-PL" sz="1800" dirty="0"/>
               <a:t>Sesja 2: </a:t>
             </a:r>
             <a:r>
-              <a:rPr lang="en-GB" sz="1800" dirty="0" err="1">
-                <a:highlight>
-                  <a:srgbClr val="00FF00"/>
-                </a:highlight>
-              </a:rPr>
+              <a:rPr lang="en-GB" sz="1800" dirty="0" err="1"/>
               <a:t>Wprowadzenie</a:t>
             </a:r>
             <a:r>
-              <a:rPr lang="en-GB" sz="1800" dirty="0">
-                <a:highlight>
-                  <a:srgbClr val="00FF00"/>
-                </a:highlight>
-              </a:rPr>
+              <a:rPr lang="en-GB" sz="1800" dirty="0"/>
               <a:t>, </a:t>
             </a:r>
             <a:r>
-              <a:rPr lang="en-GB" sz="1800" dirty="0" err="1">
-                <a:highlight>
-                  <a:srgbClr val="00FF00"/>
-                </a:highlight>
-              </a:rPr>
+              <a:rPr lang="en-GB" sz="1800" dirty="0" err="1"/>
               <a:t>Konfiguracja</a:t>
             </a:r>
             <a:r>
-              <a:rPr lang="en-GB" sz="1800" dirty="0">
-                <a:highlight>
-                  <a:srgbClr val="00FF00"/>
-                </a:highlight>
-              </a:rPr>
+              <a:rPr lang="en-GB" sz="1800" dirty="0"/>
               <a:t> </a:t>
             </a:r>
             <a:r>
-              <a:rPr lang="en-GB" sz="1800" dirty="0" err="1">
-                <a:highlight>
-                  <a:srgbClr val="00FF00"/>
-                </a:highlight>
-              </a:rPr>
+              <a:rPr lang="en-GB" sz="1800" dirty="0" err="1"/>
               <a:t>i</a:t>
             </a:r>
             <a:r>
-              <a:rPr lang="en-GB" sz="1800" dirty="0">
-                <a:highlight>
-                  <a:srgbClr val="00FF00"/>
-                </a:highlight>
-              </a:rPr>
+              <a:rPr lang="en-GB" sz="1800" dirty="0"/>
               <a:t> </a:t>
             </a:r>
             <a:r>
-              <a:rPr lang="en-GB" sz="1800" dirty="0" err="1">
-                <a:highlight>
-                  <a:srgbClr val="00FF00"/>
-                </a:highlight>
-              </a:rPr>
+              <a:rPr lang="en-GB" sz="1800" dirty="0" err="1"/>
               <a:t>Instrumentacja</a:t>
             </a:r>
             <a:r>
-              <a:rPr lang="en-GB" sz="1800" dirty="0">
-                <a:highlight>
-                  <a:srgbClr val="00FF00"/>
-                </a:highlight>
-              </a:rPr>
+              <a:rPr lang="en-GB" sz="1800" dirty="0"/>
               <a:t>: </a:t>
             </a:r>
-            <a:endParaRPr lang="pl-PL" sz="2000" dirty="0">
-              <a:highlight>
-                <a:srgbClr val="00FF00"/>
-              </a:highlight>
-            </a:endParaRPr>
+            <a:endParaRPr lang="pl-PL" sz="2000" dirty="0"/>
           </a:p>
         </p:txBody>
       </p:sp>
@@ -6011,104 +5721,52 @@
           <a:p>
             <a:pPr algn="l"/>
             <a:r>
-              <a:rPr lang="pl-PL" sz="2000" dirty="0">
-                <a:highlight>
-                  <a:srgbClr val="00FF00"/>
-                </a:highlight>
-              </a:rPr>
+              <a:rPr lang="pl-PL" sz="2000" dirty="0"/>
               <a:t>Dzień 2: Wizualizacja, Tematy Zaawansowane i Praktyczne Ćwiczenia</a:t>
             </a:r>
             <a:br>
-              <a:rPr lang="pl-PL" sz="2000" dirty="0">
-                <a:highlight>
-                  <a:srgbClr val="00FF00"/>
-                </a:highlight>
-              </a:rPr>
+              <a:rPr lang="pl-PL" sz="2000" dirty="0"/>
             </a:br>
             <a:br>
-              <a:rPr lang="pl-PL" sz="2000" dirty="0">
-                <a:highlight>
-                  <a:srgbClr val="00FF00"/>
-                </a:highlight>
-              </a:rPr>
+              <a:rPr lang="pl-PL" sz="2000" dirty="0"/>
             </a:br>
             <a:r>
-              <a:rPr lang="pl-PL" sz="1800" dirty="0">
-                <a:highlight>
-                  <a:srgbClr val="00FF00"/>
-                </a:highlight>
-              </a:rPr>
+              <a:rPr lang="pl-PL" sz="1800" dirty="0"/>
               <a:t>Sesja 2: </a:t>
             </a:r>
             <a:r>
-              <a:rPr lang="en-GB" sz="1800" dirty="0" err="1">
-                <a:highlight>
-                  <a:srgbClr val="00FF00"/>
-                </a:highlight>
-              </a:rPr>
+              <a:rPr lang="en-GB" sz="1800" dirty="0" err="1"/>
               <a:t>Wprowadzenie</a:t>
             </a:r>
             <a:r>
-              <a:rPr lang="en-GB" sz="1800" dirty="0">
-                <a:highlight>
-                  <a:srgbClr val="00FF00"/>
-                </a:highlight>
-              </a:rPr>
+              <a:rPr lang="en-GB" sz="1800" dirty="0"/>
               <a:t>, </a:t>
             </a:r>
             <a:r>
-              <a:rPr lang="en-GB" sz="1800" dirty="0" err="1">
-                <a:highlight>
-                  <a:srgbClr val="00FF00"/>
-                </a:highlight>
-              </a:rPr>
+              <a:rPr lang="en-GB" sz="1800" dirty="0" err="1"/>
               <a:t>Konfiguracja</a:t>
             </a:r>
             <a:r>
-              <a:rPr lang="en-GB" sz="1800" dirty="0">
-                <a:highlight>
-                  <a:srgbClr val="00FF00"/>
-                </a:highlight>
-              </a:rPr>
+              <a:rPr lang="en-GB" sz="1800" dirty="0"/>
               <a:t> </a:t>
             </a:r>
             <a:r>
-              <a:rPr lang="en-GB" sz="1800" dirty="0" err="1">
-                <a:highlight>
-                  <a:srgbClr val="00FF00"/>
-                </a:highlight>
-              </a:rPr>
+              <a:rPr lang="en-GB" sz="1800" dirty="0" err="1"/>
               <a:t>i</a:t>
             </a:r>
             <a:r>
-              <a:rPr lang="en-GB" sz="1800" dirty="0">
-                <a:highlight>
-                  <a:srgbClr val="00FF00"/>
-                </a:highlight>
-              </a:rPr>
+              <a:rPr lang="en-GB" sz="1800" dirty="0"/>
               <a:t> </a:t>
             </a:r>
             <a:r>
-              <a:rPr lang="en-GB" sz="1800" dirty="0" err="1">
-                <a:highlight>
-                  <a:srgbClr val="00FF00"/>
-                </a:highlight>
-              </a:rPr>
+              <a:rPr lang="en-GB" sz="1800" dirty="0" err="1"/>
               <a:t>Instrumentacja</a:t>
             </a:r>
             <a:r>
-              <a:rPr lang="en-GB" sz="1800" dirty="0">
-                <a:highlight>
-                  <a:srgbClr val="00FF00"/>
-                </a:highlight>
-              </a:rPr>
+              <a:rPr lang="en-GB" sz="1800" dirty="0"/>
               <a:t>: </a:t>
             </a:r>
-            <a:endParaRPr lang="pl-PL" sz="2000" dirty="0">
-              <a:highlight>
-                <a:srgbClr val="00FF00"/>
-              </a:highlight>
-            </a:endParaRPr>
+            <a:endParaRPr lang="pl-PL" sz="2000" dirty="0"/>
           </a:p>
         </p:txBody>
       </p:sp>
@@ -6268,19 +5926,11 @@
           <a:p>
             <a:pPr algn="l"/>
             <a:r>
-              <a:rPr lang="pl-PL" sz="2000" dirty="0">
-                <a:highlight>
-                  <a:srgbClr val="00FF00"/>
-                </a:highlight>
-              </a:rPr>
+              <a:rPr lang="pl-PL" sz="2000" dirty="0"/>
               <a:t>Dzień 2: Wizualizacja, Tematy Zaawansowane i Praktyczne Ćwiczenia</a:t>
             </a:r>
             <a:br>
-              <a:rPr lang="pl-PL" sz="2000" dirty="0">
-                <a:highlight>
-                  <a:srgbClr val="00FF00"/>
-                </a:highlight>
-              </a:rPr>
+              <a:rPr lang="pl-PL" sz="2000" dirty="0"/>
             </a:br>
             <a:br>
               <a:rPr lang="pl-PL" sz="2000" dirty="0">
@@ -6290,82 +5940,42 @@
               </a:rPr>
             </a:br>
             <a:r>
-              <a:rPr lang="pl-PL" sz="1800" dirty="0">
-                <a:highlight>
-                  <a:srgbClr val="00FF00"/>
-                </a:highlight>
-              </a:rPr>
+              <a:rPr lang="pl-PL" sz="1800" dirty="0"/>
               <a:t>Sesja 2: </a:t>
             </a:r>
             <a:r>
-              <a:rPr lang="en-GB" sz="1800" dirty="0" err="1">
-                <a:highlight>
-                  <a:srgbClr val="00FF00"/>
-                </a:highlight>
-              </a:rPr>
+              <a:rPr lang="en-GB" sz="1800" dirty="0" err="1"/>
               <a:t>Wprowadzenie</a:t>
             </a:r>
             <a:r>
-              <a:rPr lang="en-GB" sz="1800" dirty="0">
-                <a:highlight>
-                  <a:srgbClr val="00FF00"/>
-                </a:highlight>
-              </a:rPr>
+              <a:rPr lang="en-GB" sz="1800" dirty="0"/>
               <a:t>, </a:t>
             </a:r>
             <a:r>
-              <a:rPr lang="en-GB" sz="1800" dirty="0" err="1">
-                <a:highlight>
-                  <a:srgbClr val="00FF00"/>
-                </a:highlight>
-              </a:rPr>
+              <a:rPr lang="en-GB" sz="1800" dirty="0" err="1"/>
               <a:t>Konfiguracja</a:t>
             </a:r>
             <a:r>
-              <a:rPr lang="en-GB" sz="1800" dirty="0">
-                <a:highlight>
-                  <a:srgbClr val="00FF00"/>
-                </a:highlight>
-              </a:rPr>
+              <a:rPr lang="en-GB" sz="1800" dirty="0"/>
               <a:t> </a:t>
             </a:r>
             <a:r>
-              <a:rPr lang="en-GB" sz="1800" dirty="0" err="1">
-                <a:highlight>
-                  <a:srgbClr val="00FF00"/>
-                </a:highlight>
-              </a:rPr>
+              <a:rPr lang="en-GB" sz="1800" dirty="0" err="1"/>
               <a:t>i</a:t>
             </a:r>
             <a:r>
-              <a:rPr lang="en-GB" sz="1800" dirty="0">
-                <a:highlight>
-                  <a:srgbClr val="00FF00"/>
-                </a:highlight>
-              </a:rPr>
+              <a:rPr lang="en-GB" sz="1800" dirty="0"/>
               <a:t> </a:t>
             </a:r>
             <a:r>
-              <a:rPr lang="en-GB" sz="1800" dirty="0" err="1">
-                <a:highlight>
-                  <a:srgbClr val="00FF00"/>
-                </a:highlight>
-              </a:rPr>
+              <a:rPr lang="en-GB" sz="1800" dirty="0" err="1"/>
               <a:t>Instrumentacja</a:t>
             </a:r>
             <a:r>
-              <a:rPr lang="en-GB" sz="1800" dirty="0">
-                <a:highlight>
-                  <a:srgbClr val="00FF00"/>
-                </a:highlight>
-              </a:rPr>
+              <a:rPr lang="en-GB" sz="1800" dirty="0"/>
               <a:t>: </a:t>
             </a:r>
-            <a:endParaRPr lang="pl-PL" sz="2000" dirty="0">
-              <a:highlight>
-                <a:srgbClr val="00FF00"/>
-              </a:highlight>
-            </a:endParaRPr>
+            <a:endParaRPr lang="pl-PL" sz="2000" dirty="0"/>
           </a:p>
         </p:txBody>
       </p:sp>
@@ -8097,104 +7707,52 @@
           <a:p>
             <a:pPr algn="l"/>
             <a:r>
-              <a:rPr lang="pl-PL" sz="2000" dirty="0">
-                <a:highlight>
-                  <a:srgbClr val="00FF00"/>
-                </a:highlight>
-              </a:rPr>
+              <a:rPr lang="pl-PL" sz="2000" dirty="0"/>
               <a:t>Dzień 2: Wizualizacja, Tematy Zaawansowane i Praktyczne Ćwiczenia</a:t>
             </a:r>
             <a:br>
-              <a:rPr lang="pl-PL" sz="2000" dirty="0">
-                <a:highlight>
-                  <a:srgbClr val="00FF00"/>
-                </a:highlight>
-              </a:rPr>
+              <a:rPr lang="pl-PL" sz="2000" dirty="0"/>
             </a:br>
             <a:br>
-              <a:rPr lang="pl-PL" sz="2000" dirty="0">
-                <a:highlight>
-                  <a:srgbClr val="00FF00"/>
-                </a:highlight>
-              </a:rPr>
+              <a:rPr lang="pl-PL" sz="2000" dirty="0"/>
             </a:br>
             <a:r>
-              <a:rPr lang="pl-PL" sz="1800" dirty="0">
-                <a:highlight>
-                  <a:srgbClr val="00FF00"/>
-                </a:highlight>
-              </a:rPr>
+              <a:rPr lang="pl-PL" sz="1800" dirty="0"/>
               <a:t>Sesja 2: </a:t>
             </a:r>
             <a:r>
-              <a:rPr lang="en-GB" sz="1800" dirty="0" err="1">
-                <a:highlight>
-                  <a:srgbClr val="00FF00"/>
-                </a:highlight>
-              </a:rPr>
+              <a:rPr lang="en-GB" sz="1800" dirty="0" err="1"/>
               <a:t>Wprowadzenie</a:t>
             </a:r>
             <a:r>
-              <a:rPr lang="en-GB" sz="1800" dirty="0">
-                <a:highlight>
-                  <a:srgbClr val="00FF00"/>
-                </a:highlight>
-              </a:rPr>
+              <a:rPr lang="en-GB" sz="1800" dirty="0"/>
               <a:t>, </a:t>
             </a:r>
             <a:r>
-              <a:rPr lang="en-GB" sz="1800" dirty="0" err="1">
-                <a:highlight>
-                  <a:srgbClr val="00FF00"/>
-                </a:highlight>
-              </a:rPr>
+              <a:rPr lang="en-GB" sz="1800" dirty="0" err="1"/>
               <a:t>Konfiguracja</a:t>
             </a:r>
             <a:r>
-              <a:rPr lang="en-GB" sz="1800" dirty="0">
-                <a:highlight>
-                  <a:srgbClr val="00FF00"/>
-                </a:highlight>
-              </a:rPr>
+              <a:rPr lang="en-GB" sz="1800" dirty="0"/>
               <a:t> </a:t>
             </a:r>
             <a:r>
-              <a:rPr lang="en-GB" sz="1800" dirty="0" err="1">
-                <a:highlight>
-                  <a:srgbClr val="00FF00"/>
-                </a:highlight>
-              </a:rPr>
+              <a:rPr lang="en-GB" sz="1800" dirty="0" err="1"/>
               <a:t>i</a:t>
             </a:r>
             <a:r>
-              <a:rPr lang="en-GB" sz="1800" dirty="0">
-                <a:highlight>
-                  <a:srgbClr val="00FF00"/>
-                </a:highlight>
-              </a:rPr>
+              <a:rPr lang="en-GB" sz="1800" dirty="0"/>
               <a:t> </a:t>
             </a:r>
             <a:r>
-              <a:rPr lang="en-GB" sz="1800" dirty="0" err="1">
-                <a:highlight>
-                  <a:srgbClr val="00FF00"/>
-                </a:highlight>
-              </a:rPr>
+              <a:rPr lang="en-GB" sz="1800" dirty="0" err="1"/>
               <a:t>Instrumentacja</a:t>
             </a:r>
             <a:r>
-              <a:rPr lang="en-GB" sz="1800" dirty="0">
-                <a:highlight>
-                  <a:srgbClr val="00FF00"/>
-                </a:highlight>
-              </a:rPr>
+              <a:rPr lang="en-GB" sz="1800" dirty="0"/>
               <a:t>: </a:t>
             </a:r>
-            <a:endParaRPr lang="pl-PL" sz="2000" dirty="0">
-              <a:highlight>
-                <a:srgbClr val="00FF00"/>
-              </a:highlight>
-            </a:endParaRPr>
+            <a:endParaRPr lang="pl-PL" sz="2000" dirty="0"/>
           </a:p>
         </p:txBody>
       </p:sp>
@@ -8814,104 +8372,52 @@
           <a:p>
             <a:pPr algn="l"/>
             <a:r>
-              <a:rPr lang="pl-PL" sz="2000" dirty="0">
-                <a:highlight>
-                  <a:srgbClr val="00FF00"/>
-                </a:highlight>
-              </a:rPr>
+              <a:rPr lang="pl-PL" sz="2000" dirty="0"/>
               <a:t>Dzień 2: Wizualizacja, Tematy Zaawansowane i Praktyczne Ćwiczenia</a:t>
             </a:r>
             <a:br>
-              <a:rPr lang="pl-PL" sz="2000" dirty="0">
-                <a:highlight>
-                  <a:srgbClr val="00FF00"/>
-                </a:highlight>
-              </a:rPr>
+              <a:rPr lang="pl-PL" sz="2000" dirty="0"/>
             </a:br>
             <a:br>
-              <a:rPr lang="pl-PL" sz="2000" dirty="0">
-                <a:highlight>
-                  <a:srgbClr val="00FF00"/>
-                </a:highlight>
-              </a:rPr>
+              <a:rPr lang="pl-PL" sz="2000" dirty="0"/>
             </a:br>
             <a:r>
-              <a:rPr lang="pl-PL" sz="1800" dirty="0">
-                <a:highlight>
-                  <a:srgbClr val="00FF00"/>
-                </a:highlight>
-              </a:rPr>
+              <a:rPr lang="pl-PL" sz="1800" dirty="0"/>
               <a:t>Sesja 2: </a:t>
             </a:r>
             <a:r>
-              <a:rPr lang="en-GB" sz="1800" dirty="0" err="1">
-                <a:highlight>
-                  <a:srgbClr val="00FF00"/>
-                </a:highlight>
-              </a:rPr>
+              <a:rPr lang="en-GB" sz="1800" dirty="0" err="1"/>
               <a:t>Wprowadzenie</a:t>
             </a:r>
             <a:r>
-              <a:rPr lang="en-GB" sz="1800" dirty="0">
-                <a:highlight>
-                  <a:srgbClr val="00FF00"/>
-                </a:highlight>
-              </a:rPr>
+              <a:rPr lang="en-GB" sz="1800" dirty="0"/>
               <a:t>, </a:t>
             </a:r>
             <a:r>
-              <a:rPr lang="en-GB" sz="1800" dirty="0" err="1">
-                <a:highlight>
-                  <a:srgbClr val="00FF00"/>
-                </a:highlight>
-              </a:rPr>
+              <a:rPr lang="en-GB" sz="1800" dirty="0" err="1"/>
               <a:t>Konfiguracja</a:t>
             </a:r>
             <a:r>
-              <a:rPr lang="en-GB" sz="1800" dirty="0">
-                <a:highlight>
-                  <a:srgbClr val="00FF00"/>
-                </a:highlight>
-              </a:rPr>
+              <a:rPr lang="en-GB" sz="1800" dirty="0"/>
               <a:t> </a:t>
             </a:r>
             <a:r>
-              <a:rPr lang="en-GB" sz="1800" dirty="0" err="1">
-                <a:highlight>
-                  <a:srgbClr val="00FF00"/>
-                </a:highlight>
-              </a:rPr>
+              <a:rPr lang="en-GB" sz="1800" dirty="0" err="1"/>
               <a:t>i</a:t>
             </a:r>
             <a:r>
-              <a:rPr lang="en-GB" sz="1800" dirty="0">
-                <a:highlight>
-                  <a:srgbClr val="00FF00"/>
-                </a:highlight>
-              </a:rPr>
+              <a:rPr lang="en-GB" sz="1800" dirty="0"/>
               <a:t> </a:t>
             </a:r>
             <a:r>
-              <a:rPr lang="en-GB" sz="1800" dirty="0" err="1">
-                <a:highlight>
-                  <a:srgbClr val="00FF00"/>
-                </a:highlight>
-              </a:rPr>
+              <a:rPr lang="en-GB" sz="1800" dirty="0" err="1"/>
               <a:t>Instrumentacja</a:t>
             </a:r>
             <a:r>
-              <a:rPr lang="en-GB" sz="1800" dirty="0">
-                <a:highlight>
-                  <a:srgbClr val="00FF00"/>
-                </a:highlight>
-              </a:rPr>
+              <a:rPr lang="en-GB" sz="1800" dirty="0"/>
               <a:t>: </a:t>
             </a:r>
-            <a:endParaRPr lang="pl-PL" sz="2000" dirty="0">
-              <a:highlight>
-                <a:srgbClr val="00FF00"/>
-              </a:highlight>
-            </a:endParaRPr>
+            <a:endParaRPr lang="pl-PL" sz="2000" dirty="0"/>
           </a:p>
         </p:txBody>
       </p:sp>
@@ -9068,104 +8574,52 @@
           <a:p>
             <a:pPr algn="l"/>
             <a:r>
-              <a:rPr lang="pl-PL" sz="2000" dirty="0">
-                <a:highlight>
-                  <a:srgbClr val="00FF00"/>
-                </a:highlight>
-              </a:rPr>
+              <a:rPr lang="pl-PL" sz="2000" dirty="0"/>
               <a:t>Dzień 2: Wizualizacja, Tematy Zaawansowane i Praktyczne Ćwiczenia</a:t>
             </a:r>
             <a:br>
-              <a:rPr lang="pl-PL" sz="2000" dirty="0">
-                <a:highlight>
-                  <a:srgbClr val="00FF00"/>
-                </a:highlight>
-              </a:rPr>
+              <a:rPr lang="pl-PL" sz="2000" dirty="0"/>
             </a:br>
             <a:br>
-              <a:rPr lang="pl-PL" sz="2000" dirty="0">
-                <a:highlight>
-                  <a:srgbClr val="00FF00"/>
-                </a:highlight>
-              </a:rPr>
+              <a:rPr lang="pl-PL" sz="2000" dirty="0"/>
             </a:br>
             <a:r>
-              <a:rPr lang="pl-PL" sz="1800" dirty="0">
-                <a:highlight>
-                  <a:srgbClr val="00FF00"/>
-                </a:highlight>
-              </a:rPr>
+              <a:rPr lang="pl-PL" sz="1800" dirty="0"/>
               <a:t>Sesja 2: </a:t>
             </a:r>
             <a:r>
-              <a:rPr lang="en-GB" sz="1800" dirty="0" err="1">
-                <a:highlight>
-                  <a:srgbClr val="00FF00"/>
-                </a:highlight>
-              </a:rPr>
+              <a:rPr lang="en-GB" sz="1800" dirty="0" err="1"/>
               <a:t>Wprowadzenie</a:t>
             </a:r>
             <a:r>
-              <a:rPr lang="en-GB" sz="1800" dirty="0">
-                <a:highlight>
-                  <a:srgbClr val="00FF00"/>
-                </a:highlight>
-              </a:rPr>
+              <a:rPr lang="en-GB" sz="1800" dirty="0"/>
               <a:t>, </a:t>
             </a:r>
             <a:r>
-              <a:rPr lang="en-GB" sz="1800" dirty="0" err="1">
-                <a:highlight>
-                  <a:srgbClr val="00FF00"/>
-                </a:highlight>
-              </a:rPr>
+              <a:rPr lang="en-GB" sz="1800" dirty="0" err="1"/>
               <a:t>Konfiguracja</a:t>
             </a:r>
             <a:r>
-              <a:rPr lang="en-GB" sz="1800" dirty="0">
-                <a:highlight>
-                  <a:srgbClr val="00FF00"/>
-                </a:highlight>
-              </a:rPr>
+              <a:rPr lang="en-GB" sz="1800" dirty="0"/>
               <a:t> </a:t>
             </a:r>
             <a:r>
-              <a:rPr lang="en-GB" sz="1800" dirty="0" err="1">
-                <a:highlight>
-                  <a:srgbClr val="00FF00"/>
-                </a:highlight>
-              </a:rPr>
+              <a:rPr lang="en-GB" sz="1800" dirty="0" err="1"/>
               <a:t>i</a:t>
             </a:r>
             <a:r>
-              <a:rPr lang="en-GB" sz="1800" dirty="0">
-                <a:highlight>
-                  <a:srgbClr val="00FF00"/>
-                </a:highlight>
-              </a:rPr>
+              <a:rPr lang="en-GB" sz="1800" dirty="0"/>
               <a:t> </a:t>
             </a:r>
             <a:r>
-              <a:rPr lang="en-GB" sz="1800" dirty="0" err="1">
-                <a:highlight>
-                  <a:srgbClr val="00FF00"/>
-                </a:highlight>
-              </a:rPr>
+              <a:rPr lang="en-GB" sz="1800" dirty="0" err="1"/>
               <a:t>Instrumentacja</a:t>
             </a:r>
             <a:r>
-              <a:rPr lang="en-GB" sz="1800" dirty="0">
-                <a:highlight>
-                  <a:srgbClr val="00FF00"/>
-                </a:highlight>
-              </a:rPr>
+              <a:rPr lang="en-GB" sz="1800" dirty="0"/>
               <a:t>: </a:t>
             </a:r>
-            <a:endParaRPr lang="pl-PL" sz="2000" dirty="0">
-              <a:highlight>
-                <a:srgbClr val="00FF00"/>
-              </a:highlight>
-            </a:endParaRPr>
+            <a:endParaRPr lang="pl-PL" sz="2000" dirty="0"/>
           </a:p>
         </p:txBody>
       </p:sp>
@@ -11211,54 +10665,28 @@
             <a:endParaRPr lang="pl-PL" sz="1400" dirty="0"/>
           </a:p>
           <a:p>
-            <a:pPr marL="571500" lvl="1" indent="-171450">
-              <a:buFont typeface="Arial" panose="020B0604020202020204" pitchFamily="34" charset="0"/>
-              <a:buChar char="•"/>
-            </a:pPr>
+            <a:pPr marL="571500" lvl="1" indent="-171450"/>
             <a:r>
               <a:rPr lang="pl-PL" sz="1400" dirty="0"/>
               <a:t>Sesja 1: Przegląd Obserwowalności </a:t>
             </a:r>
           </a:p>
           <a:p>
-            <a:pPr marL="571500" lvl="1" indent="-171450">
-              <a:buFont typeface="Arial" panose="020B0604020202020204" pitchFamily="34" charset="0"/>
-              <a:buChar char="•"/>
-            </a:pPr>
-            <a:r>
-              <a:rPr lang="pl-PL" sz="1400" dirty="0">
-                <a:highlight>
-                  <a:srgbClr val="00FF00"/>
-                </a:highlight>
-              </a:rPr>
+            <a:pPr marL="571500" lvl="1" indent="-171450"/>
+            <a:r>
+              <a:rPr lang="pl-PL" sz="1400" dirty="0"/>
               <a:t>Sesja 2: Wprowadzenie do OpenTelemetry</a:t>
             </a:r>
           </a:p>
           <a:p>
-            <a:pPr marL="571500" lvl="1" indent="-171450">
-              <a:buFont typeface="Arial" panose="020B0604020202020204" pitchFamily="34" charset="0"/>
-              <a:buChar char="•"/>
-            </a:pPr>
-            <a:r>
-              <a:rPr lang="pl-PL" sz="1400" dirty="0"/>
-              <a:t>Sesja 3: Przypadki użycia OpenTelemetry</a:t>
-            </a:r>
-          </a:p>
-          <a:p>
-            <a:pPr marL="571500" lvl="1" indent="-171450">
-              <a:buFont typeface="Arial" panose="020B0604020202020204" pitchFamily="34" charset="0"/>
-              <a:buChar char="•"/>
-            </a:pPr>
+            <a:pPr marL="571500" lvl="1" indent="-171450"/>
             <a:r>
               <a:rPr lang="pl-PL" sz="1400" dirty="0"/>
               <a:t>Sesja 3: Instrumentacja z OpenTelemetry</a:t>
             </a:r>
           </a:p>
           <a:p>
-            <a:pPr marL="571500" lvl="1" indent="-171450">
-              <a:buFont typeface="Arial" panose="020B0604020202020204" pitchFamily="34" charset="0"/>
-              <a:buChar char="•"/>
-            </a:pPr>
+            <a:pPr marL="571500" lvl="1" indent="-171450"/>
             <a:r>
               <a:rPr lang="pl-PL" sz="1400" dirty="0"/>
               <a:t>Sesja 4: Zbieranie i Eksport Danych</a:t>
@@ -11292,13 +10720,24 @@
             <a:endParaRPr lang="pl-PL" sz="1400" dirty="0"/>
           </a:p>
           <a:p>
-            <a:pPr marL="571500" lvl="1" indent="-171450">
-              <a:buFont typeface="Arial" panose="020B0604020202020204" pitchFamily="34" charset="0"/>
-              <a:buChar char="•"/>
-            </a:pPr>
+            <a:pPr marL="571500" lvl="1" indent="-171450"/>
             <a:r>
               <a:rPr lang="pl-PL" sz="1400" dirty="0"/>
-              <a:t>Sesja 1: Wizualizacja Danych Telemetrycznych z </a:t>
+              <a:t>Sesja 1: Zaawansowane Tematy OpenTelemetry</a:t>
+            </a:r>
+          </a:p>
+          <a:p>
+            <a:pPr marL="571500" lvl="1" indent="-171450"/>
+            <a:r>
+              <a:rPr lang="pl-PL" sz="1400" dirty="0"/>
+              <a:t>Sesja 2: Rozwiązywanie Problemów i Analiza</a:t>
+            </a:r>
+          </a:p>
+          <a:p>
+            <a:pPr marL="571500" lvl="1" indent="-171450"/>
+            <a:r>
+              <a:rPr lang="pl-PL" sz="1400" dirty="0"/>
+              <a:t>Sesja 3: Wizualizacja Danych Telemetrycznych z </a:t>
             </a:r>
             <a:r>
               <a:rPr lang="pl-PL" sz="1400" dirty="0" err="1"/>
@@ -11307,30 +10746,7 @@
             <a:endParaRPr lang="pl-PL" sz="1400" dirty="0"/>
           </a:p>
           <a:p>
-            <a:pPr marL="571500" lvl="1" indent="-171450">
-              <a:buFont typeface="Arial" panose="020B0604020202020204" pitchFamily="34" charset="0"/>
-              <a:buChar char="•"/>
-            </a:pPr>
-            <a:r>
-              <a:rPr lang="pl-PL" sz="1400" dirty="0"/>
-              <a:t>Sesja 2: Zaawansowane Tematy OpenTelemetry</a:t>
-            </a:r>
-          </a:p>
-          <a:p>
-            <a:pPr marL="571500" lvl="1" indent="-171450">
-              <a:buFont typeface="Arial" panose="020B0604020202020204" pitchFamily="34" charset="0"/>
-              <a:buChar char="•"/>
-            </a:pPr>
-            <a:r>
-              <a:rPr lang="pl-PL" sz="1400" dirty="0"/>
-              <a:t>Sesja 3: Rozwiązywanie Problemów i Analiza</a:t>
-            </a:r>
-          </a:p>
-          <a:p>
-            <a:pPr marL="571500" lvl="1" indent="-171450">
-              <a:buFont typeface="Arial" panose="020B0604020202020204" pitchFamily="34" charset="0"/>
-              <a:buChar char="•"/>
-            </a:pPr>
+            <a:pPr marL="571500" lvl="1" indent="-171450"/>
             <a:r>
               <a:rPr lang="pl-PL" sz="1400" dirty="0"/>
               <a:t>Sesja 4: Projekt Końcowy</a:t>
@@ -11396,104 +10812,52 @@
           <a:p>
             <a:pPr algn="l"/>
             <a:r>
-              <a:rPr lang="pl-PL" sz="2000" dirty="0">
-                <a:highlight>
-                  <a:srgbClr val="00FF00"/>
-                </a:highlight>
-              </a:rPr>
+              <a:rPr lang="pl-PL" sz="2000" dirty="0"/>
               <a:t>Dzień 2: Wizualizacja, Tematy Zaawansowane i Praktyczne Ćwiczenia</a:t>
             </a:r>
             <a:br>
-              <a:rPr lang="pl-PL" sz="2000" dirty="0">
-                <a:highlight>
-                  <a:srgbClr val="00FF00"/>
-                </a:highlight>
-              </a:rPr>
+              <a:rPr lang="pl-PL" sz="2000" dirty="0"/>
             </a:br>
             <a:br>
-              <a:rPr lang="pl-PL" sz="2000" dirty="0">
-                <a:highlight>
-                  <a:srgbClr val="00FF00"/>
-                </a:highlight>
-              </a:rPr>
+              <a:rPr lang="pl-PL" sz="2000" dirty="0"/>
             </a:br>
             <a:r>
-              <a:rPr lang="pl-PL" sz="1800" dirty="0">
-                <a:highlight>
-                  <a:srgbClr val="00FF00"/>
-                </a:highlight>
-              </a:rPr>
+              <a:rPr lang="pl-PL" sz="1800" dirty="0"/>
               <a:t>Sesja 2: </a:t>
             </a:r>
             <a:r>
-              <a:rPr lang="en-GB" sz="1800" dirty="0" err="1">
-                <a:highlight>
-                  <a:srgbClr val="00FF00"/>
-                </a:highlight>
-              </a:rPr>
+              <a:rPr lang="en-GB" sz="1800" dirty="0" err="1"/>
               <a:t>Wprowadzenie</a:t>
             </a:r>
             <a:r>
-              <a:rPr lang="en-GB" sz="1800" dirty="0">
-                <a:highlight>
-                  <a:srgbClr val="00FF00"/>
-                </a:highlight>
-              </a:rPr>
+              <a:rPr lang="en-GB" sz="1800" dirty="0"/>
               <a:t>, </a:t>
             </a:r>
             <a:r>
-              <a:rPr lang="en-GB" sz="1800" dirty="0" err="1">
-                <a:highlight>
-                  <a:srgbClr val="00FF00"/>
-                </a:highlight>
-              </a:rPr>
+              <a:rPr lang="en-GB" sz="1800" dirty="0" err="1"/>
               <a:t>Konfiguracja</a:t>
             </a:r>
             <a:r>
-              <a:rPr lang="en-GB" sz="1800" dirty="0">
-                <a:highlight>
-                  <a:srgbClr val="00FF00"/>
-                </a:highlight>
-              </a:rPr>
+              <a:rPr lang="en-GB" sz="1800" dirty="0"/>
               <a:t> </a:t>
             </a:r>
             <a:r>
-              <a:rPr lang="en-GB" sz="1800" dirty="0" err="1">
-                <a:highlight>
-                  <a:srgbClr val="00FF00"/>
-                </a:highlight>
-              </a:rPr>
+              <a:rPr lang="en-GB" sz="1800" dirty="0" err="1"/>
               <a:t>i</a:t>
             </a:r>
             <a:r>
-              <a:rPr lang="en-GB" sz="1800" dirty="0">
-                <a:highlight>
-                  <a:srgbClr val="00FF00"/>
-                </a:highlight>
-              </a:rPr>
+              <a:rPr lang="en-GB" sz="1800" dirty="0"/>
               <a:t> </a:t>
             </a:r>
             <a:r>
-              <a:rPr lang="en-GB" sz="1800" dirty="0" err="1">
-                <a:highlight>
-                  <a:srgbClr val="00FF00"/>
-                </a:highlight>
-              </a:rPr>
+              <a:rPr lang="en-GB" sz="1800" dirty="0" err="1"/>
               <a:t>Instrumentacja</a:t>
             </a:r>
             <a:r>
-              <a:rPr lang="en-GB" sz="1800" dirty="0">
-                <a:highlight>
-                  <a:srgbClr val="00FF00"/>
-                </a:highlight>
-              </a:rPr>
+              <a:rPr lang="en-GB" sz="1800" dirty="0"/>
               <a:t>: </a:t>
             </a:r>
-            <a:endParaRPr lang="pl-PL" sz="2000" dirty="0">
-              <a:highlight>
-                <a:srgbClr val="00FF00"/>
-              </a:highlight>
-            </a:endParaRPr>
+            <a:endParaRPr lang="pl-PL" sz="2000" dirty="0"/>
           </a:p>
         </p:txBody>
       </p:sp>
@@ -12451,104 +11815,52 @@
           <a:p>
             <a:pPr algn="l"/>
             <a:r>
-              <a:rPr lang="pl-PL" sz="2000" dirty="0">
-                <a:highlight>
-                  <a:srgbClr val="00FF00"/>
-                </a:highlight>
-              </a:rPr>
+              <a:rPr lang="pl-PL" sz="2000" dirty="0"/>
               <a:t>Dzień 2: Wizualizacja, Tematy Zaawansowane i Praktyczne Ćwiczenia</a:t>
             </a:r>
             <a:br>
-              <a:rPr lang="pl-PL" sz="2000" dirty="0">
-                <a:highlight>
-                  <a:srgbClr val="00FF00"/>
-                </a:highlight>
-              </a:rPr>
+              <a:rPr lang="pl-PL" sz="2000" dirty="0"/>
             </a:br>
             <a:br>
-              <a:rPr lang="pl-PL" sz="2000" dirty="0">
-                <a:highlight>
-                  <a:srgbClr val="00FF00"/>
-                </a:highlight>
-              </a:rPr>
+              <a:rPr lang="pl-PL" sz="2000" dirty="0"/>
             </a:br>
             <a:r>
-              <a:rPr lang="pl-PL" sz="1800" dirty="0">
-                <a:highlight>
-                  <a:srgbClr val="00FF00"/>
-                </a:highlight>
-              </a:rPr>
+              <a:rPr lang="pl-PL" sz="1800" dirty="0"/>
               <a:t>Sesja 2: </a:t>
             </a:r>
             <a:r>
-              <a:rPr lang="en-GB" sz="1800" dirty="0" err="1">
-                <a:highlight>
-                  <a:srgbClr val="00FF00"/>
-                </a:highlight>
-              </a:rPr>
+              <a:rPr lang="en-GB" sz="1800" dirty="0" err="1"/>
               <a:t>Wprowadzenie</a:t>
             </a:r>
             <a:r>
-              <a:rPr lang="en-GB" sz="1800" dirty="0">
-                <a:highlight>
-                  <a:srgbClr val="00FF00"/>
-                </a:highlight>
-              </a:rPr>
+              <a:rPr lang="en-GB" sz="1800" dirty="0"/>
               <a:t>, </a:t>
             </a:r>
             <a:r>
-              <a:rPr lang="en-GB" sz="1800" dirty="0" err="1">
-                <a:highlight>
-                  <a:srgbClr val="00FF00"/>
-                </a:highlight>
-              </a:rPr>
+              <a:rPr lang="en-GB" sz="1800" dirty="0" err="1"/>
               <a:t>Konfiguracja</a:t>
             </a:r>
             <a:r>
-              <a:rPr lang="en-GB" sz="1800" dirty="0">
-                <a:highlight>
-                  <a:srgbClr val="00FF00"/>
-                </a:highlight>
-              </a:rPr>
+              <a:rPr lang="en-GB" sz="1800" dirty="0"/>
               <a:t> </a:t>
             </a:r>
             <a:r>
-              <a:rPr lang="en-GB" sz="1800" dirty="0" err="1">
-                <a:highlight>
-                  <a:srgbClr val="00FF00"/>
-                </a:highlight>
-              </a:rPr>
+              <a:rPr lang="en-GB" sz="1800" dirty="0" err="1"/>
               <a:t>i</a:t>
             </a:r>
             <a:r>
-              <a:rPr lang="en-GB" sz="1800" dirty="0">
-                <a:highlight>
-                  <a:srgbClr val="00FF00"/>
-                </a:highlight>
-              </a:rPr>
+              <a:rPr lang="en-GB" sz="1800" dirty="0"/>
               <a:t> </a:t>
             </a:r>
             <a:r>
-              <a:rPr lang="en-GB" sz="1800" dirty="0" err="1">
-                <a:highlight>
-                  <a:srgbClr val="00FF00"/>
-                </a:highlight>
-              </a:rPr>
+              <a:rPr lang="en-GB" sz="1800" dirty="0" err="1"/>
               <a:t>Instrumentacja</a:t>
             </a:r>
             <a:r>
-              <a:rPr lang="en-GB" sz="1800" dirty="0">
-                <a:highlight>
-                  <a:srgbClr val="00FF00"/>
-                </a:highlight>
-              </a:rPr>
+              <a:rPr lang="en-GB" sz="1800" dirty="0"/>
               <a:t>: </a:t>
             </a:r>
-            <a:endParaRPr lang="pl-PL" sz="2000" dirty="0">
-              <a:highlight>
-                <a:srgbClr val="00FF00"/>
-              </a:highlight>
-            </a:endParaRPr>
+            <a:endParaRPr lang="pl-PL" sz="2000" dirty="0"/>
           </a:p>
         </p:txBody>
       </p:sp>
@@ -12743,19 +12055,11 @@
           <a:p>
             <a:pPr algn="l"/>
             <a:r>
-              <a:rPr lang="pl-PL" sz="2000" dirty="0">
-                <a:highlight>
-                  <a:srgbClr val="00FF00"/>
-                </a:highlight>
-              </a:rPr>
+              <a:rPr lang="pl-PL" sz="2000" dirty="0"/>
               <a:t>Dzień 2: Wizualizacja, Tematy Zaawansowane i Praktyczne Ćwiczenia</a:t>
             </a:r>
             <a:br>
-              <a:rPr lang="pl-PL" sz="2000" dirty="0">
-                <a:highlight>
-                  <a:srgbClr val="00FF00"/>
-                </a:highlight>
-              </a:rPr>
+              <a:rPr lang="pl-PL" sz="2000" dirty="0"/>
             </a:br>
             <a:br>
               <a:rPr lang="pl-PL" sz="2000" dirty="0">
@@ -12765,82 +12069,42 @@
               </a:rPr>
             </a:br>
             <a:r>
-              <a:rPr lang="pl-PL" sz="1800" dirty="0">
-                <a:highlight>
-                  <a:srgbClr val="00FF00"/>
-                </a:highlight>
-              </a:rPr>
+              <a:rPr lang="pl-PL" sz="1800" dirty="0"/>
               <a:t>Sesja 2: </a:t>
             </a:r>
             <a:r>
-              <a:rPr lang="en-GB" sz="1800" dirty="0" err="1">
-                <a:highlight>
-                  <a:srgbClr val="00FF00"/>
-                </a:highlight>
-              </a:rPr>
+              <a:rPr lang="en-GB" sz="1800" dirty="0" err="1"/>
               <a:t>Wprowadzenie</a:t>
             </a:r>
             <a:r>
-              <a:rPr lang="en-GB" sz="1800" dirty="0">
-                <a:highlight>
-                  <a:srgbClr val="00FF00"/>
-                </a:highlight>
-              </a:rPr>
+              <a:rPr lang="en-GB" sz="1800" dirty="0"/>
               <a:t>, </a:t>
             </a:r>
             <a:r>
-              <a:rPr lang="en-GB" sz="1800" dirty="0" err="1">
-                <a:highlight>
-                  <a:srgbClr val="00FF00"/>
-                </a:highlight>
-              </a:rPr>
+              <a:rPr lang="en-GB" sz="1800" dirty="0" err="1"/>
               <a:t>Konfiguracja</a:t>
             </a:r>
             <a:r>
-              <a:rPr lang="en-GB" sz="1800" dirty="0">
-                <a:highlight>
-                  <a:srgbClr val="00FF00"/>
-                </a:highlight>
-              </a:rPr>
+              <a:rPr lang="en-GB" sz="1800" dirty="0"/>
               <a:t> </a:t>
             </a:r>
             <a:r>
-              <a:rPr lang="en-GB" sz="1800" dirty="0" err="1">
-                <a:highlight>
-                  <a:srgbClr val="00FF00"/>
-                </a:highlight>
-              </a:rPr>
+              <a:rPr lang="en-GB" sz="1800" dirty="0" err="1"/>
               <a:t>i</a:t>
             </a:r>
             <a:r>
-              <a:rPr lang="en-GB" sz="1800" dirty="0">
-                <a:highlight>
-                  <a:srgbClr val="00FF00"/>
-                </a:highlight>
-              </a:rPr>
+              <a:rPr lang="en-GB" sz="1800" dirty="0"/>
               <a:t> </a:t>
             </a:r>
             <a:r>
-              <a:rPr lang="en-GB" sz="1800" dirty="0" err="1">
-                <a:highlight>
-                  <a:srgbClr val="00FF00"/>
-                </a:highlight>
-              </a:rPr>
+              <a:rPr lang="en-GB" sz="1800" dirty="0" err="1"/>
               <a:t>Instrumentacja</a:t>
             </a:r>
             <a:r>
-              <a:rPr lang="en-GB" sz="1800" dirty="0">
-                <a:highlight>
-                  <a:srgbClr val="00FF00"/>
-                </a:highlight>
-              </a:rPr>
+              <a:rPr lang="en-GB" sz="1800" dirty="0"/>
               <a:t>: </a:t>
             </a:r>
-            <a:endParaRPr lang="pl-PL" sz="2000" dirty="0">
-              <a:highlight>
-                <a:srgbClr val="00FF00"/>
-              </a:highlight>
-            </a:endParaRPr>
+            <a:endParaRPr lang="pl-PL" sz="2000" dirty="0"/>
           </a:p>
         </p:txBody>
       </p:sp>
@@ -15619,104 +14883,52 @@
           <a:p>
             <a:pPr algn="l"/>
             <a:r>
-              <a:rPr lang="pl-PL" sz="2000" dirty="0">
-                <a:highlight>
-                  <a:srgbClr val="00FF00"/>
-                </a:highlight>
-              </a:rPr>
+              <a:rPr lang="pl-PL" sz="2000" dirty="0"/>
               <a:t>Dzień 2: Wizualizacja, Tematy Zaawansowane i Praktyczne Ćwiczenia</a:t>
             </a:r>
             <a:br>
-              <a:rPr lang="pl-PL" sz="2000" dirty="0">
-                <a:highlight>
-                  <a:srgbClr val="00FF00"/>
-                </a:highlight>
-              </a:rPr>
+              <a:rPr lang="pl-PL" sz="2000" dirty="0"/>
             </a:br>
             <a:br>
-              <a:rPr lang="pl-PL" sz="2000" dirty="0">
-                <a:highlight>
-                  <a:srgbClr val="00FF00"/>
-                </a:highlight>
-              </a:rPr>
+              <a:rPr lang="pl-PL" sz="2000" dirty="0"/>
             </a:br>
             <a:r>
-              <a:rPr lang="pl-PL" sz="1800" dirty="0">
-                <a:highlight>
-                  <a:srgbClr val="00FF00"/>
-                </a:highlight>
-              </a:rPr>
+              <a:rPr lang="pl-PL" sz="1800" dirty="0"/>
               <a:t>Sesja 2: </a:t>
             </a:r>
             <a:r>
-              <a:rPr lang="en-GB" sz="1800" dirty="0" err="1">
-                <a:highlight>
-                  <a:srgbClr val="00FF00"/>
-                </a:highlight>
-              </a:rPr>
+              <a:rPr lang="en-GB" sz="1800" dirty="0" err="1"/>
               <a:t>Wprowadzenie</a:t>
             </a:r>
             <a:r>
-              <a:rPr lang="en-GB" sz="1800" dirty="0">
-                <a:highlight>
-                  <a:srgbClr val="00FF00"/>
-                </a:highlight>
-              </a:rPr>
+              <a:rPr lang="en-GB" sz="1800" dirty="0"/>
               <a:t>, </a:t>
             </a:r>
             <a:r>
-              <a:rPr lang="en-GB" sz="1800" dirty="0" err="1">
-                <a:highlight>
-                  <a:srgbClr val="00FF00"/>
-                </a:highlight>
-              </a:rPr>
+              <a:rPr lang="en-GB" sz="1800" dirty="0" err="1"/>
               <a:t>Konfiguracja</a:t>
             </a:r>
             <a:r>
-              <a:rPr lang="en-GB" sz="1800" dirty="0">
-                <a:highlight>
-                  <a:srgbClr val="00FF00"/>
-                </a:highlight>
-              </a:rPr>
+              <a:rPr lang="en-GB" sz="1800" dirty="0"/>
               <a:t> </a:t>
             </a:r>
             <a:r>
-              <a:rPr lang="en-GB" sz="1800" dirty="0" err="1">
-                <a:highlight>
-                  <a:srgbClr val="00FF00"/>
-                </a:highlight>
-              </a:rPr>
+              <a:rPr lang="en-GB" sz="1800" dirty="0" err="1"/>
               <a:t>i</a:t>
             </a:r>
             <a:r>
-              <a:rPr lang="en-GB" sz="1800" dirty="0">
-                <a:highlight>
-                  <a:srgbClr val="00FF00"/>
-                </a:highlight>
-              </a:rPr>
+              <a:rPr lang="en-GB" sz="1800" dirty="0"/>
               <a:t> </a:t>
             </a:r>
             <a:r>
-              <a:rPr lang="en-GB" sz="1800" dirty="0" err="1">
-                <a:highlight>
-                  <a:srgbClr val="00FF00"/>
-                </a:highlight>
-              </a:rPr>
+              <a:rPr lang="en-GB" sz="1800" dirty="0" err="1"/>
               <a:t>Instrumentacja</a:t>
             </a:r>
             <a:r>
-              <a:rPr lang="en-GB" sz="1800" dirty="0">
-                <a:highlight>
-                  <a:srgbClr val="00FF00"/>
-                </a:highlight>
-              </a:rPr>
+              <a:rPr lang="en-GB" sz="1800" dirty="0"/>
               <a:t>: </a:t>
             </a:r>
-            <a:endParaRPr lang="pl-PL" sz="2000" dirty="0">
-              <a:highlight>
-                <a:srgbClr val="00FF00"/>
-              </a:highlight>
-            </a:endParaRPr>
+            <a:endParaRPr lang="pl-PL" sz="2000" dirty="0"/>
           </a:p>
         </p:txBody>
       </p:sp>
@@ -15783,104 +14995,52 @@
           <a:p>
             <a:pPr algn="l"/>
             <a:r>
-              <a:rPr lang="pl-PL" sz="2000" dirty="0">
-                <a:highlight>
-                  <a:srgbClr val="00FF00"/>
-                </a:highlight>
-              </a:rPr>
+              <a:rPr lang="pl-PL" sz="2000" dirty="0"/>
               <a:t>Dzień 2: Wizualizacja, Tematy Zaawansowane i Praktyczne Ćwiczenia</a:t>
             </a:r>
             <a:br>
-              <a:rPr lang="pl-PL" sz="2000" dirty="0">
-                <a:highlight>
-                  <a:srgbClr val="00FF00"/>
-                </a:highlight>
-              </a:rPr>
+              <a:rPr lang="pl-PL" sz="2000" dirty="0"/>
             </a:br>
             <a:br>
-              <a:rPr lang="pl-PL" sz="2000" dirty="0">
-                <a:highlight>
-                  <a:srgbClr val="00FF00"/>
-                </a:highlight>
-              </a:rPr>
+              <a:rPr lang="pl-PL" sz="2000" dirty="0"/>
             </a:br>
             <a:r>
-              <a:rPr lang="pl-PL" sz="1800" dirty="0">
-                <a:highlight>
-                  <a:srgbClr val="00FF00"/>
-                </a:highlight>
-              </a:rPr>
+              <a:rPr lang="pl-PL" sz="1800" dirty="0"/>
               <a:t>Sesja 2: </a:t>
             </a:r>
             <a:r>
-              <a:rPr lang="en-GB" sz="1800" dirty="0" err="1">
-                <a:highlight>
-                  <a:srgbClr val="00FF00"/>
-                </a:highlight>
-              </a:rPr>
+              <a:rPr lang="en-GB" sz="1800" dirty="0" err="1"/>
               <a:t>Wprowadzenie</a:t>
             </a:r>
             <a:r>
-              <a:rPr lang="en-GB" sz="1800" dirty="0">
-                <a:highlight>
-                  <a:srgbClr val="00FF00"/>
-                </a:highlight>
-              </a:rPr>
+              <a:rPr lang="en-GB" sz="1800" dirty="0"/>
               <a:t>, </a:t>
             </a:r>
             <a:r>
-              <a:rPr lang="en-GB" sz="1800" dirty="0" err="1">
-                <a:highlight>
-                  <a:srgbClr val="00FF00"/>
-                </a:highlight>
-              </a:rPr>
+              <a:rPr lang="en-GB" sz="1800" dirty="0" err="1"/>
               <a:t>Konfiguracja</a:t>
             </a:r>
             <a:r>
-              <a:rPr lang="en-GB" sz="1800" dirty="0">
-                <a:highlight>
-                  <a:srgbClr val="00FF00"/>
-                </a:highlight>
-              </a:rPr>
+              <a:rPr lang="en-GB" sz="1800" dirty="0"/>
               <a:t> </a:t>
             </a:r>
             <a:r>
-              <a:rPr lang="en-GB" sz="1800" dirty="0" err="1">
-                <a:highlight>
-                  <a:srgbClr val="00FF00"/>
-                </a:highlight>
-              </a:rPr>
+              <a:rPr lang="en-GB" sz="1800" dirty="0" err="1"/>
               <a:t>i</a:t>
             </a:r>
             <a:r>
-              <a:rPr lang="en-GB" sz="1800" dirty="0">
-                <a:highlight>
-                  <a:srgbClr val="00FF00"/>
-                </a:highlight>
-              </a:rPr>
+              <a:rPr lang="en-GB" sz="1800" dirty="0"/>
               <a:t> </a:t>
             </a:r>
             <a:r>
-              <a:rPr lang="en-GB" sz="1800" dirty="0" err="1">
-                <a:highlight>
-                  <a:srgbClr val="00FF00"/>
-                </a:highlight>
-              </a:rPr>
+              <a:rPr lang="en-GB" sz="1800" dirty="0" err="1"/>
               <a:t>Instrumentacja</a:t>
             </a:r>
             <a:r>
-              <a:rPr lang="en-GB" sz="1800" dirty="0">
-                <a:highlight>
-                  <a:srgbClr val="00FF00"/>
-                </a:highlight>
-              </a:rPr>
+              <a:rPr lang="en-GB" sz="1800" dirty="0"/>
               <a:t>: </a:t>
             </a:r>
-            <a:endParaRPr lang="pl-PL" sz="2000" dirty="0">
-              <a:highlight>
-                <a:srgbClr val="00FF00"/>
-              </a:highlight>
-            </a:endParaRPr>
+            <a:endParaRPr lang="pl-PL" sz="2000" dirty="0"/>
           </a:p>
         </p:txBody>
       </p:sp>
@@ -16022,104 +15182,52 @@
           <a:p>
             <a:pPr algn="l"/>
             <a:r>
-              <a:rPr lang="pl-PL" sz="2000" dirty="0">
-                <a:highlight>
-                  <a:srgbClr val="00FF00"/>
-                </a:highlight>
-              </a:rPr>
+              <a:rPr lang="pl-PL" sz="2000" dirty="0"/>
               <a:t>Dzień 2: Wizualizacja, Tematy Zaawansowane i Praktyczne Ćwiczenia</a:t>
             </a:r>
             <a:br>
-              <a:rPr lang="pl-PL" sz="2000" dirty="0">
-                <a:highlight>
-                  <a:srgbClr val="00FF00"/>
-                </a:highlight>
-              </a:rPr>
+              <a:rPr lang="pl-PL" sz="2000" dirty="0"/>
             </a:br>
             <a:br>
-              <a:rPr lang="pl-PL" sz="2000" dirty="0">
-                <a:highlight>
-                  <a:srgbClr val="00FF00"/>
-                </a:highlight>
-              </a:rPr>
+              <a:rPr lang="pl-PL" sz="2000" dirty="0"/>
             </a:br>
             <a:r>
-              <a:rPr lang="pl-PL" sz="1800" dirty="0">
-                <a:highlight>
-                  <a:srgbClr val="00FF00"/>
-                </a:highlight>
-              </a:rPr>
+              <a:rPr lang="pl-PL" sz="1800" dirty="0"/>
               <a:t>Sesja 2: </a:t>
             </a:r>
             <a:r>
-              <a:rPr lang="en-GB" sz="1800" dirty="0" err="1">
-                <a:highlight>
-                  <a:srgbClr val="00FF00"/>
-                </a:highlight>
-              </a:rPr>
+              <a:rPr lang="en-GB" sz="1800" dirty="0" err="1"/>
               <a:t>Wprowadzenie</a:t>
             </a:r>
             <a:r>
-              <a:rPr lang="en-GB" sz="1800" dirty="0">
-                <a:highlight>
-                  <a:srgbClr val="00FF00"/>
-                </a:highlight>
-              </a:rPr>
+              <a:rPr lang="en-GB" sz="1800" dirty="0"/>
               <a:t>, </a:t>
             </a:r>
             <a:r>
-              <a:rPr lang="en-GB" sz="1800" dirty="0" err="1">
-                <a:highlight>
-                  <a:srgbClr val="00FF00"/>
-                </a:highlight>
-              </a:rPr>
+              <a:rPr lang="en-GB" sz="1800" dirty="0" err="1"/>
               <a:t>Konfiguracja</a:t>
             </a:r>
             <a:r>
-              <a:rPr lang="en-GB" sz="1800" dirty="0">
-                <a:highlight>
-                  <a:srgbClr val="00FF00"/>
-                </a:highlight>
-              </a:rPr>
+              <a:rPr lang="en-GB" sz="1800" dirty="0"/>
               <a:t> </a:t>
             </a:r>
             <a:r>
-              <a:rPr lang="en-GB" sz="1800" dirty="0" err="1">
-                <a:highlight>
-                  <a:srgbClr val="00FF00"/>
-                </a:highlight>
-              </a:rPr>
+              <a:rPr lang="en-GB" sz="1800" dirty="0" err="1"/>
               <a:t>i</a:t>
             </a:r>
             <a:r>
-              <a:rPr lang="en-GB" sz="1800" dirty="0">
-                <a:highlight>
-                  <a:srgbClr val="00FF00"/>
-                </a:highlight>
-              </a:rPr>
+              <a:rPr lang="en-GB" sz="1800" dirty="0"/>
               <a:t> </a:t>
             </a:r>
             <a:r>
-              <a:rPr lang="en-GB" sz="1800" dirty="0" err="1">
-                <a:highlight>
-                  <a:srgbClr val="00FF00"/>
-                </a:highlight>
-              </a:rPr>
+              <a:rPr lang="en-GB" sz="1800" dirty="0" err="1"/>
               <a:t>Instrumentacja</a:t>
             </a:r>
             <a:r>
-              <a:rPr lang="en-GB" sz="1800" dirty="0">
-                <a:highlight>
-                  <a:srgbClr val="00FF00"/>
-                </a:highlight>
-              </a:rPr>
+              <a:rPr lang="en-GB" sz="1800" dirty="0"/>
               <a:t>: </a:t>
             </a:r>
-            <a:endParaRPr lang="pl-PL" sz="2000" dirty="0">
-              <a:highlight>
-                <a:srgbClr val="00FF00"/>
-              </a:highlight>
-            </a:endParaRPr>
+            <a:endParaRPr lang="pl-PL" sz="2000" dirty="0"/>
           </a:p>
         </p:txBody>
       </p:sp>
@@ -16394,104 +15502,52 @@
           <a:p>
             <a:pPr algn="l"/>
             <a:r>
-              <a:rPr lang="pl-PL" sz="2000" dirty="0">
-                <a:highlight>
-                  <a:srgbClr val="00FF00"/>
-                </a:highlight>
-              </a:rPr>
+              <a:rPr lang="pl-PL" sz="2000" dirty="0"/>
               <a:t>Dzień 2: Wizualizacja, Tematy Zaawansowane i Praktyczne Ćwiczenia</a:t>
             </a:r>
             <a:br>
-              <a:rPr lang="pl-PL" sz="2000" dirty="0">
-                <a:highlight>
-                  <a:srgbClr val="00FF00"/>
-                </a:highlight>
-              </a:rPr>
+              <a:rPr lang="pl-PL" sz="2000" dirty="0"/>
             </a:br>
             <a:br>
-              <a:rPr lang="pl-PL" sz="2000" dirty="0">
-                <a:highlight>
-                  <a:srgbClr val="00FF00"/>
-                </a:highlight>
-              </a:rPr>
+              <a:rPr lang="pl-PL" sz="2000" dirty="0"/>
             </a:br>
             <a:r>
-              <a:rPr lang="pl-PL" sz="1800" dirty="0">
-                <a:highlight>
-                  <a:srgbClr val="00FF00"/>
-                </a:highlight>
-              </a:rPr>
+              <a:rPr lang="pl-PL" sz="1800" dirty="0"/>
               <a:t>Sesja 2: </a:t>
             </a:r>
             <a:r>
-              <a:rPr lang="en-GB" sz="1800" dirty="0" err="1">
-                <a:highlight>
-                  <a:srgbClr val="00FF00"/>
-                </a:highlight>
-              </a:rPr>
+              <a:rPr lang="en-GB" sz="1800" dirty="0" err="1"/>
               <a:t>Wprowadzenie</a:t>
             </a:r>
             <a:r>
-              <a:rPr lang="en-GB" sz="1800" dirty="0">
-                <a:highlight>
-                  <a:srgbClr val="00FF00"/>
-                </a:highlight>
-              </a:rPr>
+              <a:rPr lang="en-GB" sz="1800" dirty="0"/>
               <a:t>, </a:t>
             </a:r>
             <a:r>
-              <a:rPr lang="en-GB" sz="1800" dirty="0" err="1">
-                <a:highlight>
-                  <a:srgbClr val="00FF00"/>
-                </a:highlight>
-              </a:rPr>
+              <a:rPr lang="en-GB" sz="1800" dirty="0" err="1"/>
               <a:t>Konfiguracja</a:t>
             </a:r>
             <a:r>
-              <a:rPr lang="en-GB" sz="1800" dirty="0">
-                <a:highlight>
-                  <a:srgbClr val="00FF00"/>
-                </a:highlight>
-              </a:rPr>
+              <a:rPr lang="en-GB" sz="1800" dirty="0"/>
               <a:t> </a:t>
             </a:r>
             <a:r>
-              <a:rPr lang="en-GB" sz="1800" dirty="0" err="1">
-                <a:highlight>
-                  <a:srgbClr val="00FF00"/>
-                </a:highlight>
-              </a:rPr>
+              <a:rPr lang="en-GB" sz="1800" dirty="0" err="1"/>
               <a:t>i</a:t>
             </a:r>
             <a:r>
-              <a:rPr lang="en-GB" sz="1800" dirty="0">
-                <a:highlight>
-                  <a:srgbClr val="00FF00"/>
-                </a:highlight>
-              </a:rPr>
+              <a:rPr lang="en-GB" sz="1800" dirty="0"/>
               <a:t> </a:t>
             </a:r>
             <a:r>
-              <a:rPr lang="en-GB" sz="1800" dirty="0" err="1">
-                <a:highlight>
-                  <a:srgbClr val="00FF00"/>
-                </a:highlight>
-              </a:rPr>
+              <a:rPr lang="en-GB" sz="1800" dirty="0" err="1"/>
               <a:t>Instrumentacja</a:t>
             </a:r>
             <a:r>
-              <a:rPr lang="en-GB" sz="1800" dirty="0">
-                <a:highlight>
-                  <a:srgbClr val="00FF00"/>
-                </a:highlight>
-              </a:rPr>
+              <a:rPr lang="en-GB" sz="1800" dirty="0"/>
               <a:t>: </a:t>
             </a:r>
-            <a:endParaRPr lang="pl-PL" sz="2000" dirty="0">
-              <a:highlight>
-                <a:srgbClr val="00FF00"/>
-              </a:highlight>
-            </a:endParaRPr>
+            <a:endParaRPr lang="pl-PL" sz="2000" dirty="0"/>
           </a:p>
         </p:txBody>
       </p:sp>
@@ -17033,40 +16089,20 @@
           <a:p>
             <a:pPr algn="l"/>
             <a:r>
-              <a:rPr lang="pl-PL" sz="2000">
-                <a:highlight>
-                  <a:srgbClr val="00FF00"/>
-                </a:highlight>
-              </a:rPr>
+              <a:rPr lang="pl-PL" sz="2000" dirty="0"/>
               <a:t>Dzień 2: Wizualizacja, Tematy Zaawansowane i Praktyczne Ćwiczenia</a:t>
             </a:r>
             <a:br>
-              <a:rPr lang="pl-PL" sz="2000">
-                <a:highlight>
-                  <a:srgbClr val="00FF00"/>
-                </a:highlight>
-              </a:rPr>
+              <a:rPr lang="pl-PL" sz="2000" dirty="0"/>
             </a:br>
             <a:br>
-              <a:rPr lang="pl-PL" sz="2000">
-                <a:highlight>
-                  <a:srgbClr val="00FF00"/>
-                </a:highlight>
-              </a:rPr>
+              <a:rPr lang="pl-PL" sz="2000" dirty="0"/>
             </a:br>
             <a:r>
-              <a:rPr lang="pl-PL" sz="1800">
-                <a:highlight>
-                  <a:srgbClr val="00FF00"/>
-                </a:highlight>
-              </a:rPr>
+              <a:rPr lang="pl-PL" sz="1800" dirty="0"/>
               <a:t>Sesja 2: Wprowadzenie, Konfiguracja i Instrumentacja: </a:t>
             </a:r>
-            <a:endParaRPr lang="pl-PL" sz="2000">
-              <a:highlight>
-                <a:srgbClr val="00FF00"/>
-              </a:highlight>
-            </a:endParaRPr>
+            <a:endParaRPr lang="pl-PL" sz="2000" dirty="0"/>
           </a:p>
         </p:txBody>
       </p:sp>
@@ -17233,40 +16269,20 @@
           <a:p>
             <a:pPr algn="l"/>
             <a:r>
-              <a:rPr lang="pl-PL" sz="2000">
-                <a:highlight>
-                  <a:srgbClr val="00FF00"/>
-                </a:highlight>
-              </a:rPr>
+              <a:rPr lang="pl-PL" sz="2000" dirty="0"/>
               <a:t>Dzień 2: Wizualizacja, Tematy Zaawansowane i Praktyczne Ćwiczenia</a:t>
             </a:r>
             <a:br>
-              <a:rPr lang="pl-PL" sz="2000">
-                <a:highlight>
-                  <a:srgbClr val="00FF00"/>
-                </a:highlight>
-              </a:rPr>
+              <a:rPr lang="pl-PL" sz="2000" dirty="0"/>
             </a:br>
             <a:br>
-              <a:rPr lang="pl-PL" sz="2000">
-                <a:highlight>
-                  <a:srgbClr val="00FF00"/>
-                </a:highlight>
-              </a:rPr>
+              <a:rPr lang="pl-PL" sz="2000" dirty="0"/>
             </a:br>
             <a:r>
-              <a:rPr lang="pl-PL" sz="1800">
-                <a:highlight>
-                  <a:srgbClr val="00FF00"/>
-                </a:highlight>
-              </a:rPr>
+              <a:rPr lang="pl-PL" sz="1800" dirty="0"/>
               <a:t>Sesja 2: Wprowadzenie, Konfiguracja i Instrumentacja: </a:t>
             </a:r>
-            <a:endParaRPr lang="pl-PL" sz="2000">
-              <a:highlight>
-                <a:srgbClr val="00FF00"/>
-              </a:highlight>
-            </a:endParaRPr>
+            <a:endParaRPr lang="pl-PL" sz="2000" dirty="0"/>
           </a:p>
         </p:txBody>
       </p:sp>
@@ -17462,40 +16478,20 @@
           <a:p>
             <a:pPr algn="l"/>
             <a:r>
-              <a:rPr lang="pl-PL" sz="2000">
-                <a:highlight>
-                  <a:srgbClr val="00FF00"/>
-                </a:highlight>
-              </a:rPr>
+              <a:rPr lang="pl-PL" sz="2000" dirty="0"/>
               <a:t>Dzień 2: Wizualizacja, Tematy Zaawansowane i Praktyczne Ćwiczenia</a:t>
             </a:r>
             <a:br>
-              <a:rPr lang="pl-PL" sz="2000">
-                <a:highlight>
-                  <a:srgbClr val="00FF00"/>
-                </a:highlight>
-              </a:rPr>
+              <a:rPr lang="pl-PL" sz="2000" dirty="0"/>
             </a:br>
             <a:br>
-              <a:rPr lang="pl-PL" sz="2000">
-                <a:highlight>
-                  <a:srgbClr val="00FF00"/>
-                </a:highlight>
-              </a:rPr>
+              <a:rPr lang="pl-PL" sz="2000" dirty="0"/>
             </a:br>
             <a:r>
-              <a:rPr lang="pl-PL" sz="1800">
-                <a:highlight>
-                  <a:srgbClr val="00FF00"/>
-                </a:highlight>
-              </a:rPr>
+              <a:rPr lang="pl-PL" sz="1800" dirty="0"/>
               <a:t>Sesja 2: Wprowadzenie, Konfiguracja i Instrumentacja: </a:t>
             </a:r>
-            <a:endParaRPr lang="pl-PL" sz="2000">
-              <a:highlight>
-                <a:srgbClr val="00FF00"/>
-              </a:highlight>
-            </a:endParaRPr>
+            <a:endParaRPr lang="pl-PL" sz="2000" dirty="0"/>
           </a:p>
         </p:txBody>
       </p:sp>
@@ -18281,96 +17277,48 @@
           <a:p>
             <a:pPr algn="l"/>
             <a:r>
-              <a:rPr lang="pl-PL" sz="2000" dirty="0">
-                <a:highlight>
-                  <a:srgbClr val="00FF00"/>
-                </a:highlight>
-              </a:rPr>
+              <a:rPr lang="pl-PL" sz="2000" dirty="0"/>
               <a:t>Dzień 2: Wizualizacja, Tematy Zaawansowane i Praktyczne Ćwiczenia</a:t>
             </a:r>
             <a:br>
-              <a:rPr lang="pl-PL" sz="2000" dirty="0">
-                <a:highlight>
-                  <a:srgbClr val="00FF00"/>
-                </a:highlight>
-              </a:rPr>
+              <a:rPr lang="pl-PL" sz="2000" dirty="0"/>
             </a:br>
             <a:br>
-              <a:rPr lang="pl-PL" sz="2000" dirty="0">
-                <a:highlight>
-                  <a:srgbClr val="00FF00"/>
-                </a:highlight>
-              </a:rPr>
+              <a:rPr lang="pl-PL" sz="2000" dirty="0"/>
             </a:br>
             <a:r>
-              <a:rPr lang="pl-PL" sz="1800" dirty="0">
-                <a:highlight>
-                  <a:srgbClr val="00FF00"/>
-                </a:highlight>
-              </a:rPr>
+              <a:rPr lang="pl-PL" sz="1800" dirty="0"/>
               <a:t>Sesja 2: </a:t>
             </a:r>
             <a:r>
-              <a:rPr lang="en-GB" sz="1800" dirty="0" err="1">
-                <a:highlight>
-                  <a:srgbClr val="00FF00"/>
-                </a:highlight>
-              </a:rPr>
+              <a:rPr lang="en-GB" sz="1800" dirty="0" err="1"/>
               <a:t>Wprowadzenie</a:t>
             </a:r>
             <a:r>
-              <a:rPr lang="en-GB" sz="1800" dirty="0">
-                <a:highlight>
-                  <a:srgbClr val="00FF00"/>
-                </a:highlight>
-              </a:rPr>
+              <a:rPr lang="en-GB" sz="1800" dirty="0"/>
               <a:t>, </a:t>
             </a:r>
             <a:r>
-              <a:rPr lang="en-GB" sz="1800" dirty="0" err="1">
-                <a:highlight>
-                  <a:srgbClr val="00FF00"/>
-                </a:highlight>
-              </a:rPr>
+              <a:rPr lang="en-GB" sz="1800" dirty="0" err="1"/>
               <a:t>Konfiguracja</a:t>
             </a:r>
             <a:r>
-              <a:rPr lang="en-GB" sz="1800" dirty="0">
-                <a:highlight>
-                  <a:srgbClr val="00FF00"/>
-                </a:highlight>
-              </a:rPr>
+              <a:rPr lang="en-GB" sz="1800" dirty="0"/>
               <a:t> </a:t>
             </a:r>
             <a:r>
-              <a:rPr lang="en-GB" sz="1800" dirty="0" err="1">
-                <a:highlight>
-                  <a:srgbClr val="00FF00"/>
-                </a:highlight>
-              </a:rPr>
+              <a:rPr lang="en-GB" sz="1800" dirty="0" err="1"/>
               <a:t>i</a:t>
             </a:r>
             <a:r>
-              <a:rPr lang="en-GB" sz="1800" dirty="0">
-                <a:highlight>
-                  <a:srgbClr val="00FF00"/>
-                </a:highlight>
-              </a:rPr>
+              <a:rPr lang="en-GB" sz="1800" dirty="0"/>
               <a:t> </a:t>
             </a:r>
             <a:r>
-              <a:rPr lang="en-GB" sz="1800" dirty="0" err="1">
-                <a:highlight>
-                  <a:srgbClr val="00FF00"/>
-                </a:highlight>
-              </a:rPr>
+              <a:rPr lang="en-GB" sz="1800" dirty="0" err="1"/>
               <a:t>Instrumentacja</a:t>
             </a:r>
-            <a:endParaRPr lang="pl-PL" sz="2000" dirty="0">
-              <a:highlight>
-                <a:srgbClr val="00FF00"/>
-              </a:highlight>
-            </a:endParaRPr>
+            <a:endParaRPr lang="pl-PL" sz="2000" dirty="0"/>
           </a:p>
         </p:txBody>
       </p:sp>
@@ -18492,104 +17440,52 @@
           <a:p>
             <a:pPr algn="l"/>
             <a:r>
-              <a:rPr lang="pl-PL" sz="2000" dirty="0">
-                <a:highlight>
-                  <a:srgbClr val="00FF00"/>
-                </a:highlight>
-              </a:rPr>
+              <a:rPr lang="pl-PL" sz="2000" dirty="0"/>
               <a:t>Dzień 2: Wizualizacja, Tematy Zaawansowane i Praktyczne Ćwiczenia</a:t>
             </a:r>
             <a:br>
-              <a:rPr lang="pl-PL" sz="2000" dirty="0">
-                <a:highlight>
-                  <a:srgbClr val="00FF00"/>
-                </a:highlight>
-              </a:rPr>
+              <a:rPr lang="pl-PL" sz="2000" dirty="0"/>
             </a:br>
             <a:br>
-              <a:rPr lang="pl-PL" sz="2000" dirty="0">
-                <a:highlight>
-                  <a:srgbClr val="00FF00"/>
-                </a:highlight>
-              </a:rPr>
+              <a:rPr lang="pl-PL" sz="2000" dirty="0"/>
             </a:br>
             <a:r>
-              <a:rPr lang="pl-PL" sz="1800" dirty="0">
-                <a:highlight>
-                  <a:srgbClr val="00FF00"/>
-                </a:highlight>
-              </a:rPr>
+              <a:rPr lang="pl-PL" sz="1800" dirty="0"/>
               <a:t>Sesja 2: </a:t>
             </a:r>
             <a:r>
-              <a:rPr lang="en-GB" sz="1800" dirty="0" err="1">
-                <a:highlight>
-                  <a:srgbClr val="00FF00"/>
-                </a:highlight>
-              </a:rPr>
+              <a:rPr lang="en-GB" sz="1800" dirty="0" err="1"/>
               <a:t>Wprowadzenie</a:t>
             </a:r>
             <a:r>
-              <a:rPr lang="en-GB" sz="1800" dirty="0">
-                <a:highlight>
-                  <a:srgbClr val="00FF00"/>
-                </a:highlight>
-              </a:rPr>
+              <a:rPr lang="en-GB" sz="1800" dirty="0"/>
               <a:t>, </a:t>
             </a:r>
             <a:r>
-              <a:rPr lang="en-GB" sz="1800" dirty="0" err="1">
-                <a:highlight>
-                  <a:srgbClr val="00FF00"/>
-                </a:highlight>
-              </a:rPr>
+              <a:rPr lang="en-GB" sz="1800" dirty="0" err="1"/>
               <a:t>Konfiguracja</a:t>
             </a:r>
             <a:r>
-              <a:rPr lang="en-GB" sz="1800" dirty="0">
-                <a:highlight>
-                  <a:srgbClr val="00FF00"/>
-                </a:highlight>
-              </a:rPr>
+              <a:rPr lang="en-GB" sz="1800" dirty="0"/>
               <a:t> </a:t>
             </a:r>
             <a:r>
-              <a:rPr lang="en-GB" sz="1800" dirty="0" err="1">
-                <a:highlight>
-                  <a:srgbClr val="00FF00"/>
-                </a:highlight>
-              </a:rPr>
+              <a:rPr lang="en-GB" sz="1800" dirty="0" err="1"/>
               <a:t>i</a:t>
             </a:r>
             <a:r>
-              <a:rPr lang="en-GB" sz="1800" dirty="0">
-                <a:highlight>
-                  <a:srgbClr val="00FF00"/>
-                </a:highlight>
-              </a:rPr>
+              <a:rPr lang="en-GB" sz="1800" dirty="0"/>
               <a:t> </a:t>
             </a:r>
             <a:r>
-              <a:rPr lang="en-GB" sz="1800" dirty="0" err="1">
-                <a:highlight>
-                  <a:srgbClr val="00FF00"/>
-                </a:highlight>
-              </a:rPr>
+              <a:rPr lang="en-GB" sz="1800" dirty="0" err="1"/>
               <a:t>Instrumentacja</a:t>
             </a:r>
             <a:r>
-              <a:rPr lang="en-GB" sz="1800" dirty="0">
-                <a:highlight>
-                  <a:srgbClr val="00FF00"/>
-                </a:highlight>
-              </a:rPr>
+              <a:rPr lang="en-GB" sz="1800" dirty="0"/>
               <a:t>: </a:t>
             </a:r>
-            <a:endParaRPr lang="pl-PL" sz="2000" dirty="0">
-              <a:highlight>
-                <a:srgbClr val="00FF00"/>
-              </a:highlight>
-            </a:endParaRPr>
+            <a:endParaRPr lang="pl-PL" sz="2000" dirty="0"/>
           </a:p>
         </p:txBody>
       </p:sp>
@@ -18788,104 +17684,52 @@
           <a:p>
             <a:pPr algn="l"/>
             <a:r>
-              <a:rPr lang="pl-PL" sz="2000" dirty="0">
-                <a:highlight>
-                  <a:srgbClr val="00FF00"/>
-                </a:highlight>
-              </a:rPr>
+              <a:rPr lang="pl-PL" sz="2000" dirty="0"/>
               <a:t>Dzień 2: Wizualizacja, Tematy Zaawansowane i Praktyczne Ćwiczenia</a:t>
             </a:r>
             <a:br>
-              <a:rPr lang="pl-PL" sz="2000" dirty="0">
-                <a:highlight>
-                  <a:srgbClr val="00FF00"/>
-                </a:highlight>
-              </a:rPr>
+              <a:rPr lang="pl-PL" sz="2000" dirty="0"/>
             </a:br>
             <a:br>
-              <a:rPr lang="pl-PL" sz="2000" dirty="0">
-                <a:highlight>
-                  <a:srgbClr val="00FF00"/>
-                </a:highlight>
-              </a:rPr>
+              <a:rPr lang="pl-PL" sz="2000" dirty="0"/>
             </a:br>
             <a:r>
-              <a:rPr lang="pl-PL" sz="1800" dirty="0">
-                <a:highlight>
-                  <a:srgbClr val="00FF00"/>
-                </a:highlight>
-              </a:rPr>
+              <a:rPr lang="pl-PL" sz="1800" dirty="0"/>
               <a:t>Sesja 2: </a:t>
             </a:r>
             <a:r>
-              <a:rPr lang="en-GB" sz="1800" dirty="0" err="1">
-                <a:highlight>
-                  <a:srgbClr val="00FF00"/>
-                </a:highlight>
-              </a:rPr>
+              <a:rPr lang="en-GB" sz="1800" dirty="0" err="1"/>
               <a:t>Wprowadzenie</a:t>
             </a:r>
             <a:r>
-              <a:rPr lang="en-GB" sz="1800" dirty="0">
-                <a:highlight>
-                  <a:srgbClr val="00FF00"/>
-                </a:highlight>
-              </a:rPr>
+              <a:rPr lang="en-GB" sz="1800" dirty="0"/>
               <a:t>, </a:t>
             </a:r>
             <a:r>
-              <a:rPr lang="en-GB" sz="1800" dirty="0" err="1">
-                <a:highlight>
-                  <a:srgbClr val="00FF00"/>
-                </a:highlight>
-              </a:rPr>
+              <a:rPr lang="en-GB" sz="1800" dirty="0" err="1"/>
               <a:t>Konfiguracja</a:t>
             </a:r>
             <a:r>
-              <a:rPr lang="en-GB" sz="1800" dirty="0">
-                <a:highlight>
-                  <a:srgbClr val="00FF00"/>
-                </a:highlight>
-              </a:rPr>
+              <a:rPr lang="en-GB" sz="1800" dirty="0"/>
               <a:t> </a:t>
             </a:r>
             <a:r>
-              <a:rPr lang="en-GB" sz="1800" dirty="0" err="1">
-                <a:highlight>
-                  <a:srgbClr val="00FF00"/>
-                </a:highlight>
-              </a:rPr>
+              <a:rPr lang="en-GB" sz="1800" dirty="0" err="1"/>
               <a:t>i</a:t>
             </a:r>
             <a:r>
-              <a:rPr lang="en-GB" sz="1800" dirty="0">
-                <a:highlight>
-                  <a:srgbClr val="00FF00"/>
-                </a:highlight>
-              </a:rPr>
+              <a:rPr lang="en-GB" sz="1800" dirty="0"/>
               <a:t> </a:t>
             </a:r>
             <a:r>
-              <a:rPr lang="en-GB" sz="1800" dirty="0" err="1">
-                <a:highlight>
-                  <a:srgbClr val="00FF00"/>
-                </a:highlight>
-              </a:rPr>
+              <a:rPr lang="en-GB" sz="1800" dirty="0" err="1"/>
               <a:t>Instrumentacja</a:t>
             </a:r>
             <a:r>
-              <a:rPr lang="en-GB" sz="1800" dirty="0">
-                <a:highlight>
-                  <a:srgbClr val="00FF00"/>
-                </a:highlight>
-              </a:rPr>
+              <a:rPr lang="en-GB" sz="1800" dirty="0"/>
               <a:t>: </a:t>
             </a:r>
-            <a:endParaRPr lang="pl-PL" sz="2000" dirty="0">
-              <a:highlight>
-                <a:srgbClr val="00FF00"/>
-              </a:highlight>
-            </a:endParaRPr>
+            <a:endParaRPr lang="pl-PL" sz="2000" dirty="0"/>
           </a:p>
         </p:txBody>
       </p:sp>
@@ -19093,104 +17937,52 @@
           <a:p>
             <a:pPr algn="l"/>
             <a:r>
-              <a:rPr lang="pl-PL" sz="2000" dirty="0">
-                <a:highlight>
-                  <a:srgbClr val="00FF00"/>
-                </a:highlight>
-              </a:rPr>
+              <a:rPr lang="pl-PL" sz="2000" dirty="0"/>
               <a:t>Dzień 2: Wizualizacja, Tematy Zaawansowane i Praktyczne Ćwiczenia</a:t>
             </a:r>
             <a:br>
-              <a:rPr lang="pl-PL" sz="2000" dirty="0">
-                <a:highlight>
-                  <a:srgbClr val="00FF00"/>
-                </a:highlight>
-              </a:rPr>
+              <a:rPr lang="pl-PL" sz="2000" dirty="0"/>
             </a:br>
             <a:br>
-              <a:rPr lang="pl-PL" sz="2000" dirty="0">
-                <a:highlight>
-                  <a:srgbClr val="00FF00"/>
-                </a:highlight>
-              </a:rPr>
+              <a:rPr lang="pl-PL" sz="2000" dirty="0"/>
             </a:br>
             <a:r>
-              <a:rPr lang="pl-PL" sz="1800" dirty="0">
-                <a:highlight>
-                  <a:srgbClr val="00FF00"/>
-                </a:highlight>
-              </a:rPr>
+              <a:rPr lang="pl-PL" sz="1800" dirty="0"/>
               <a:t>Sesja 2: </a:t>
             </a:r>
             <a:r>
-              <a:rPr lang="en-GB" sz="1800" dirty="0" err="1">
-                <a:highlight>
-                  <a:srgbClr val="00FF00"/>
-                </a:highlight>
-              </a:rPr>
+              <a:rPr lang="en-GB" sz="1800" dirty="0" err="1"/>
               <a:t>Wprowadzenie</a:t>
             </a:r>
             <a:r>
-              <a:rPr lang="en-GB" sz="1800" dirty="0">
-                <a:highlight>
-                  <a:srgbClr val="00FF00"/>
-                </a:highlight>
-              </a:rPr>
+              <a:rPr lang="en-GB" sz="1800" dirty="0"/>
               <a:t>, </a:t>
             </a:r>
             <a:r>
-              <a:rPr lang="en-GB" sz="1800" dirty="0" err="1">
-                <a:highlight>
-                  <a:srgbClr val="00FF00"/>
-                </a:highlight>
-              </a:rPr>
+              <a:rPr lang="en-GB" sz="1800" dirty="0" err="1"/>
               <a:t>Konfiguracja</a:t>
             </a:r>
             <a:r>
-              <a:rPr lang="en-GB" sz="1800" dirty="0">
-                <a:highlight>
-                  <a:srgbClr val="00FF00"/>
-                </a:highlight>
-              </a:rPr>
+              <a:rPr lang="en-GB" sz="1800" dirty="0"/>
               <a:t> </a:t>
             </a:r>
             <a:r>
-              <a:rPr lang="en-GB" sz="1800" dirty="0" err="1">
-                <a:highlight>
-                  <a:srgbClr val="00FF00"/>
-                </a:highlight>
-              </a:rPr>
+              <a:rPr lang="en-GB" sz="1800" dirty="0" err="1"/>
               <a:t>i</a:t>
             </a:r>
             <a:r>
-              <a:rPr lang="en-GB" sz="1800" dirty="0">
-                <a:highlight>
-                  <a:srgbClr val="00FF00"/>
-                </a:highlight>
-              </a:rPr>
+              <a:rPr lang="en-GB" sz="1800" dirty="0"/>
               <a:t> </a:t>
             </a:r>
             <a:r>
-              <a:rPr lang="en-GB" sz="1800" dirty="0" err="1">
-                <a:highlight>
-                  <a:srgbClr val="00FF00"/>
-                </a:highlight>
-              </a:rPr>
+              <a:rPr lang="en-GB" sz="1800" dirty="0" err="1"/>
               <a:t>Instrumentacja</a:t>
             </a:r>
             <a:r>
-              <a:rPr lang="en-GB" sz="1800" dirty="0">
-                <a:highlight>
-                  <a:srgbClr val="00FF00"/>
-                </a:highlight>
-              </a:rPr>
+              <a:rPr lang="en-GB" sz="1800" dirty="0"/>
               <a:t>: </a:t>
             </a:r>
-            <a:endParaRPr lang="pl-PL" sz="2000" dirty="0">
-              <a:highlight>
-                <a:srgbClr val="00FF00"/>
-              </a:highlight>
-            </a:endParaRPr>
+            <a:endParaRPr lang="pl-PL" sz="2000" dirty="0"/>
           </a:p>
         </p:txBody>
       </p:sp>
@@ -19353,104 +18145,52 @@
           <a:p>
             <a:pPr algn="l"/>
             <a:r>
-              <a:rPr lang="pl-PL" sz="2000" dirty="0">
-                <a:highlight>
-                  <a:srgbClr val="00FF00"/>
-                </a:highlight>
-              </a:rPr>
+              <a:rPr lang="pl-PL" sz="2000" dirty="0"/>
               <a:t>Dzień 2: Wizualizacja, Tematy Zaawansowane i Praktyczne Ćwiczenia</a:t>
             </a:r>
             <a:br>
-              <a:rPr lang="pl-PL" sz="2000" dirty="0">
-                <a:highlight>
-                  <a:srgbClr val="00FF00"/>
-                </a:highlight>
-              </a:rPr>
+              <a:rPr lang="pl-PL" sz="2000" dirty="0"/>
             </a:br>
             <a:br>
-              <a:rPr lang="pl-PL" sz="2000" dirty="0">
-                <a:highlight>
-                  <a:srgbClr val="00FF00"/>
-                </a:highlight>
-              </a:rPr>
+              <a:rPr lang="pl-PL" sz="2000" dirty="0"/>
             </a:br>
             <a:r>
-              <a:rPr lang="pl-PL" sz="1800" dirty="0">
-                <a:highlight>
-                  <a:srgbClr val="00FF00"/>
-                </a:highlight>
-              </a:rPr>
+              <a:rPr lang="pl-PL" sz="1800" dirty="0"/>
               <a:t>Sesja 2: </a:t>
             </a:r>
             <a:r>
-              <a:rPr lang="en-GB" sz="1800" dirty="0" err="1">
-                <a:highlight>
-                  <a:srgbClr val="00FF00"/>
-                </a:highlight>
-              </a:rPr>
+              <a:rPr lang="en-GB" sz="1800" dirty="0" err="1"/>
               <a:t>Wprowadzenie</a:t>
             </a:r>
             <a:r>
-              <a:rPr lang="en-GB" sz="1800" dirty="0">
-                <a:highlight>
-                  <a:srgbClr val="00FF00"/>
-                </a:highlight>
-              </a:rPr>
+              <a:rPr lang="en-GB" sz="1800" dirty="0"/>
               <a:t>, </a:t>
             </a:r>
             <a:r>
-              <a:rPr lang="en-GB" sz="1800" dirty="0" err="1">
-                <a:highlight>
-                  <a:srgbClr val="00FF00"/>
-                </a:highlight>
-              </a:rPr>
+              <a:rPr lang="en-GB" sz="1800" dirty="0" err="1"/>
               <a:t>Konfiguracja</a:t>
             </a:r>
             <a:r>
-              <a:rPr lang="en-GB" sz="1800" dirty="0">
-                <a:highlight>
-                  <a:srgbClr val="00FF00"/>
-                </a:highlight>
-              </a:rPr>
+              <a:rPr lang="en-GB" sz="1800" dirty="0"/>
               <a:t> </a:t>
             </a:r>
             <a:r>
-              <a:rPr lang="en-GB" sz="1800" dirty="0" err="1">
-                <a:highlight>
-                  <a:srgbClr val="00FF00"/>
-                </a:highlight>
-              </a:rPr>
+              <a:rPr lang="en-GB" sz="1800" dirty="0" err="1"/>
               <a:t>i</a:t>
             </a:r>
             <a:r>
-              <a:rPr lang="en-GB" sz="1800" dirty="0">
-                <a:highlight>
-                  <a:srgbClr val="00FF00"/>
-                </a:highlight>
-              </a:rPr>
+              <a:rPr lang="en-GB" sz="1800" dirty="0"/>
               <a:t> </a:t>
             </a:r>
             <a:r>
-              <a:rPr lang="en-GB" sz="1800" dirty="0" err="1">
-                <a:highlight>
-                  <a:srgbClr val="00FF00"/>
-                </a:highlight>
-              </a:rPr>
+              <a:rPr lang="en-GB" sz="1800" dirty="0" err="1"/>
               <a:t>Instrumentacja</a:t>
             </a:r>
             <a:r>
-              <a:rPr lang="en-GB" sz="1800" dirty="0">
-                <a:highlight>
-                  <a:srgbClr val="00FF00"/>
-                </a:highlight>
-              </a:rPr>
+              <a:rPr lang="en-GB" sz="1800" dirty="0"/>
               <a:t>: </a:t>
             </a:r>
-            <a:endParaRPr lang="pl-PL" sz="2000" dirty="0">
-              <a:highlight>
-                <a:srgbClr val="00FF00"/>
-              </a:highlight>
-            </a:endParaRPr>
+            <a:endParaRPr lang="pl-PL" sz="2000" dirty="0"/>
           </a:p>
         </p:txBody>
       </p:sp>
@@ -19637,104 +18377,52 @@
           <a:p>
             <a:pPr algn="l"/>
             <a:r>
-              <a:rPr lang="pl-PL" sz="2000" dirty="0">
-                <a:highlight>
-                  <a:srgbClr val="00FF00"/>
-                </a:highlight>
-              </a:rPr>
+              <a:rPr lang="pl-PL" sz="2000" dirty="0"/>
               <a:t>Dzień 2: Wizualizacja, Tematy Zaawansowane i Praktyczne Ćwiczenia</a:t>
             </a:r>
             <a:br>
-              <a:rPr lang="pl-PL" sz="2000" dirty="0">
-                <a:highlight>
-                  <a:srgbClr val="00FF00"/>
-                </a:highlight>
-              </a:rPr>
+              <a:rPr lang="pl-PL" sz="2000" dirty="0"/>
             </a:br>
             <a:br>
-              <a:rPr lang="pl-PL" sz="2000" dirty="0">
-                <a:highlight>
-                  <a:srgbClr val="00FF00"/>
-                </a:highlight>
-              </a:rPr>
+              <a:rPr lang="pl-PL" sz="2000" dirty="0"/>
             </a:br>
             <a:r>
-              <a:rPr lang="pl-PL" sz="1800" dirty="0">
-                <a:highlight>
-                  <a:srgbClr val="00FF00"/>
-                </a:highlight>
-              </a:rPr>
+              <a:rPr lang="pl-PL" sz="1800" dirty="0"/>
               <a:t>Sesja 2: </a:t>
             </a:r>
             <a:r>
-              <a:rPr lang="en-GB" sz="1800" dirty="0" err="1">
-                <a:highlight>
-                  <a:srgbClr val="00FF00"/>
-                </a:highlight>
-              </a:rPr>
+              <a:rPr lang="en-GB" sz="1800" dirty="0" err="1"/>
               <a:t>Wprowadzenie</a:t>
             </a:r>
             <a:r>
-              <a:rPr lang="en-GB" sz="1800" dirty="0">
-                <a:highlight>
-                  <a:srgbClr val="00FF00"/>
-                </a:highlight>
-              </a:rPr>
+              <a:rPr lang="en-GB" sz="1800" dirty="0"/>
               <a:t>, </a:t>
             </a:r>
             <a:r>
-              <a:rPr lang="en-GB" sz="1800" dirty="0" err="1">
-                <a:highlight>
-                  <a:srgbClr val="00FF00"/>
-                </a:highlight>
-              </a:rPr>
+              <a:rPr lang="en-GB" sz="1800" dirty="0" err="1"/>
               <a:t>Konfiguracja</a:t>
             </a:r>
             <a:r>
-              <a:rPr lang="en-GB" sz="1800" dirty="0">
-                <a:highlight>
-                  <a:srgbClr val="00FF00"/>
-                </a:highlight>
-              </a:rPr>
+              <a:rPr lang="en-GB" sz="1800" dirty="0"/>
               <a:t> </a:t>
             </a:r>
             <a:r>
-              <a:rPr lang="en-GB" sz="1800" dirty="0" err="1">
-                <a:highlight>
-                  <a:srgbClr val="00FF00"/>
-                </a:highlight>
-              </a:rPr>
+              <a:rPr lang="en-GB" sz="1800" dirty="0" err="1"/>
               <a:t>i</a:t>
             </a:r>
             <a:r>
-              <a:rPr lang="en-GB" sz="1800" dirty="0">
-                <a:highlight>
-                  <a:srgbClr val="00FF00"/>
-                </a:highlight>
-              </a:rPr>
+              <a:rPr lang="en-GB" sz="1800" dirty="0"/>
               <a:t> </a:t>
             </a:r>
             <a:r>
-              <a:rPr lang="en-GB" sz="1800" dirty="0" err="1">
-                <a:highlight>
-                  <a:srgbClr val="00FF00"/>
-                </a:highlight>
-              </a:rPr>
+              <a:rPr lang="en-GB" sz="1800" dirty="0" err="1"/>
               <a:t>Instrumentacja</a:t>
             </a:r>
             <a:r>
-              <a:rPr lang="en-GB" sz="1800" dirty="0">
-                <a:highlight>
-                  <a:srgbClr val="00FF00"/>
-                </a:highlight>
-              </a:rPr>
+              <a:rPr lang="en-GB" sz="1800" dirty="0"/>
               <a:t>: </a:t>
             </a:r>
-            <a:endParaRPr lang="pl-PL" sz="2000" dirty="0">
-              <a:highlight>
-                <a:srgbClr val="00FF00"/>
-              </a:highlight>
-            </a:endParaRPr>
+            <a:endParaRPr lang="pl-PL" sz="2000" dirty="0"/>
           </a:p>
         </p:txBody>
       </p:sp>

--- a/otel teoria/Day 1 session 1.2 Wprowadzenie do OpenTelemetry.pptx
+++ b/otel teoria/Day 1 session 1.2 Wprowadzenie do OpenTelemetry.pptx
@@ -236,7 +236,7 @@
           <a:p>
             <a:fld id="{B6182559-CB5C-D240-A660-003CD22EEEA2}" type="datetimeFigureOut">
               <a:rPr lang="pl-PL" smtClean="0"/>
-              <a:t>1.10.2024</a:t>
+              <a:t>2.10.2024</a:t>
             </a:fld>
             <a:endParaRPr lang="pl-PL"/>
           </a:p>
@@ -851,7 +851,7 @@
           <a:p>
             <a:fld id="{5BCAD085-E8A6-8845-BD4E-CB4CCA059FC4}" type="datetimeFigureOut">
               <a:rPr lang="en-US" smtClean="0"/>
-              <a:t>10/1/24</a:t>
+              <a:t>10/2/24</a:t>
             </a:fld>
             <a:endParaRPr lang="en-US"/>
           </a:p>
@@ -1019,7 +1019,7 @@
           <a:p>
             <a:fld id="{5BCAD085-E8A6-8845-BD4E-CB4CCA059FC4}" type="datetimeFigureOut">
               <a:rPr lang="en-US" smtClean="0"/>
-              <a:t>10/1/24</a:t>
+              <a:t>10/2/24</a:t>
             </a:fld>
             <a:endParaRPr lang="en-US"/>
           </a:p>
@@ -1197,7 +1197,7 @@
           <a:p>
             <a:fld id="{5BCAD085-E8A6-8845-BD4E-CB4CCA059FC4}" type="datetimeFigureOut">
               <a:rPr lang="en-US" smtClean="0"/>
-              <a:t>10/1/24</a:t>
+              <a:t>10/2/24</a:t>
             </a:fld>
             <a:endParaRPr lang="en-US"/>
           </a:p>
@@ -1365,7 +1365,7 @@
           <a:p>
             <a:fld id="{5BCAD085-E8A6-8845-BD4E-CB4CCA059FC4}" type="datetimeFigureOut">
               <a:rPr lang="en-US" smtClean="0"/>
-              <a:t>10/1/24</a:t>
+              <a:t>10/2/24</a:t>
             </a:fld>
             <a:endParaRPr lang="en-US"/>
           </a:p>
@@ -1610,7 +1610,7 @@
           <a:p>
             <a:fld id="{5BCAD085-E8A6-8845-BD4E-CB4CCA059FC4}" type="datetimeFigureOut">
               <a:rPr lang="en-US" smtClean="0"/>
-              <a:t>10/1/24</a:t>
+              <a:t>10/2/24</a:t>
             </a:fld>
             <a:endParaRPr lang="en-US"/>
           </a:p>
@@ -1895,7 +1895,7 @@
           <a:p>
             <a:fld id="{5BCAD085-E8A6-8845-BD4E-CB4CCA059FC4}" type="datetimeFigureOut">
               <a:rPr lang="en-US" smtClean="0"/>
-              <a:t>10/1/24</a:t>
+              <a:t>10/2/24</a:t>
             </a:fld>
             <a:endParaRPr lang="en-US"/>
           </a:p>
@@ -2314,7 +2314,7 @@
           <a:p>
             <a:fld id="{5BCAD085-E8A6-8845-BD4E-CB4CCA059FC4}" type="datetimeFigureOut">
               <a:rPr lang="en-US" smtClean="0"/>
-              <a:t>10/1/24</a:t>
+              <a:t>10/2/24</a:t>
             </a:fld>
             <a:endParaRPr lang="en-US"/>
           </a:p>
@@ -2431,7 +2431,7 @@
           <a:p>
             <a:fld id="{5BCAD085-E8A6-8845-BD4E-CB4CCA059FC4}" type="datetimeFigureOut">
               <a:rPr lang="en-US" smtClean="0"/>
-              <a:t>10/1/24</a:t>
+              <a:t>10/2/24</a:t>
             </a:fld>
             <a:endParaRPr lang="en-US"/>
           </a:p>
@@ -2526,7 +2526,7 @@
           <a:p>
             <a:fld id="{5BCAD085-E8A6-8845-BD4E-CB4CCA059FC4}" type="datetimeFigureOut">
               <a:rPr lang="en-US" smtClean="0"/>
-              <a:t>10/1/24</a:t>
+              <a:t>10/2/24</a:t>
             </a:fld>
             <a:endParaRPr lang="en-US"/>
           </a:p>
@@ -2801,7 +2801,7 @@
           <a:p>
             <a:fld id="{5BCAD085-E8A6-8845-BD4E-CB4CCA059FC4}" type="datetimeFigureOut">
               <a:rPr lang="en-US" smtClean="0"/>
-              <a:t>10/1/24</a:t>
+              <a:t>10/2/24</a:t>
             </a:fld>
             <a:endParaRPr lang="en-US"/>
           </a:p>
@@ -3053,7 +3053,7 @@
           <a:p>
             <a:fld id="{5BCAD085-E8A6-8845-BD4E-CB4CCA059FC4}" type="datetimeFigureOut">
               <a:rPr lang="en-US" smtClean="0"/>
-              <a:t>10/1/24</a:t>
+              <a:t>10/2/24</a:t>
             </a:fld>
             <a:endParaRPr lang="en-US"/>
           </a:p>
@@ -3264,7 +3264,7 @@
           <a:p>
             <a:fld id="{5BCAD085-E8A6-8845-BD4E-CB4CCA059FC4}" type="datetimeFigureOut">
               <a:rPr lang="en-US" smtClean="0"/>
-              <a:t>10/1/24</a:t>
+              <a:t>10/2/24</a:t>
             </a:fld>
             <a:endParaRPr lang="en-US"/>
           </a:p>
@@ -3651,19 +3651,38 @@
         </p:nvSpPr>
         <p:spPr/>
         <p:txBody>
-          <a:bodyPr/>
+          <a:bodyPr>
+            <a:normAutofit fontScale="90000"/>
+          </a:bodyPr>
           <a:lstStyle/>
           <a:p>
             <a:r>
-              <a:rPr dirty="0" err="1"/>
+              <a:rPr lang="en-GB" dirty="0" err="1"/>
               <a:t>Szkolenie</a:t>
             </a:r>
             <a:r>
-              <a:rPr dirty="0"/>
+              <a:rPr lang="en-GB" dirty="0"/>
               <a:t> </a:t>
             </a:r>
-            <a:r>
-              <a:rPr dirty="0" err="1"/>
+            <a:br>
+              <a:rPr lang="en-GB" dirty="0"/>
+            </a:br>
+            <a:br>
+              <a:rPr lang="en-GB" dirty="0"/>
+            </a:br>
+            <a:r>
+              <a:rPr lang="en-GB" dirty="0" err="1"/>
+              <a:t>Instrumentacja</a:t>
+            </a:r>
+            <a:r>
+              <a:rPr lang="en-GB" dirty="0"/>
+              <a:t> </a:t>
+            </a:r>
+            <a:br>
+              <a:rPr lang="en-GB" dirty="0"/>
+            </a:br>
+            <a:r>
+              <a:rPr lang="en-GB" dirty="0"/>
               <a:t>OpenTelemetry</a:t>
             </a:r>
             <a:endParaRPr dirty="0"/>
@@ -3680,20 +3699,25 @@
             <p:ph type="subTitle" idx="1"/>
           </p:nvPr>
         </p:nvSpPr>
-        <p:spPr/>
+        <p:spPr>
+          <a:xfrm>
+            <a:off x="1371600" y="4907691"/>
+            <a:ext cx="6400800" cy="1752600"/>
+          </a:xfrm>
+        </p:spPr>
         <p:txBody>
           <a:bodyPr/>
           <a:lstStyle/>
           <a:p>
             <a:r>
-              <a:rPr lang="pl-PL" noProof="0"/>
+              <a:rPr lang="pl-PL" noProof="0" dirty="0"/>
               <a:t>Wprowadzenie do </a:t>
             </a:r>
             <a:br>
-              <a:rPr lang="pl-PL" noProof="0"/>
+              <a:rPr lang="pl-PL" noProof="0" dirty="0"/>
             </a:br>
             <a:r>
-              <a:rPr lang="pl-PL" noProof="0"/>
+              <a:rPr lang="pl-PL" noProof="0" dirty="0"/>
               <a:t>OpenTelemetry </a:t>
             </a:r>
           </a:p>
